--- a/2023/PSI/CCS-PSI-SII-2023-ExosqueletteAtalante/FichiersProf/Corrigé LaTeX/images/CCS-PSI-SII-2023-ExosqueletteAtalante.pptx
+++ b/2023/PSI/CCS-PSI-SII-2023-ExosqueletteAtalante/FichiersProf/Corrigé LaTeX/images/CCS-PSI-SII-2023-ExosqueletteAtalante.pptx
@@ -6,15 +6,16 @@
   </p:sldMasterIdLst>
   <p:sldIdLst>
     <p:sldId id="256" r:id="rId2"/>
-    <p:sldId id="257" r:id="rId3"/>
-    <p:sldId id="258" r:id="rId4"/>
-    <p:sldId id="261" r:id="rId5"/>
-    <p:sldId id="262" r:id="rId6"/>
-    <p:sldId id="263" r:id="rId7"/>
-    <p:sldId id="264" r:id="rId8"/>
-    <p:sldId id="265" r:id="rId9"/>
-    <p:sldId id="259" r:id="rId10"/>
-    <p:sldId id="260" r:id="rId11"/>
+    <p:sldId id="266" r:id="rId3"/>
+    <p:sldId id="257" r:id="rId4"/>
+    <p:sldId id="258" r:id="rId5"/>
+    <p:sldId id="261" r:id="rId6"/>
+    <p:sldId id="262" r:id="rId7"/>
+    <p:sldId id="263" r:id="rId8"/>
+    <p:sldId id="264" r:id="rId9"/>
+    <p:sldId id="265" r:id="rId10"/>
+    <p:sldId id="259" r:id="rId11"/>
+    <p:sldId id="260" r:id="rId12"/>
   </p:sldIdLst>
   <p:sldSz cx="12192000" cy="6858000"/>
   <p:notesSz cx="6858000" cy="9144000"/>
@@ -643,7 +644,7 @@
           <a:p>
             <a:fld id="{E2C5A81D-9CC5-4ECE-BDBC-3CB37B02B3B4}" type="datetimeFigureOut">
               <a:rPr lang="fr-FR" smtClean="0"/>
-              <a:t>29/05/2023</a:t>
+              <a:t>31/05/2023</a:t>
             </a:fld>
             <a:endParaRPr lang="fr-FR"/>
           </a:p>
@@ -841,7 +842,7 @@
           <a:p>
             <a:fld id="{E2C5A81D-9CC5-4ECE-BDBC-3CB37B02B3B4}" type="datetimeFigureOut">
               <a:rPr lang="fr-FR" smtClean="0"/>
-              <a:t>29/05/2023</a:t>
+              <a:t>31/05/2023</a:t>
             </a:fld>
             <a:endParaRPr lang="fr-FR"/>
           </a:p>
@@ -1049,7 +1050,7 @@
           <a:p>
             <a:fld id="{E2C5A81D-9CC5-4ECE-BDBC-3CB37B02B3B4}" type="datetimeFigureOut">
               <a:rPr lang="fr-FR" smtClean="0"/>
-              <a:t>29/05/2023</a:t>
+              <a:t>31/05/2023</a:t>
             </a:fld>
             <a:endParaRPr lang="fr-FR"/>
           </a:p>
@@ -1247,7 +1248,7 @@
           <a:p>
             <a:fld id="{E2C5A81D-9CC5-4ECE-BDBC-3CB37B02B3B4}" type="datetimeFigureOut">
               <a:rPr lang="fr-FR" smtClean="0"/>
-              <a:t>29/05/2023</a:t>
+              <a:t>31/05/2023</a:t>
             </a:fld>
             <a:endParaRPr lang="fr-FR"/>
           </a:p>
@@ -1522,7 +1523,7 @@
           <a:p>
             <a:fld id="{E2C5A81D-9CC5-4ECE-BDBC-3CB37B02B3B4}" type="datetimeFigureOut">
               <a:rPr lang="fr-FR" smtClean="0"/>
-              <a:t>29/05/2023</a:t>
+              <a:t>31/05/2023</a:t>
             </a:fld>
             <a:endParaRPr lang="fr-FR"/>
           </a:p>
@@ -1787,7 +1788,7 @@
           <a:p>
             <a:fld id="{E2C5A81D-9CC5-4ECE-BDBC-3CB37B02B3B4}" type="datetimeFigureOut">
               <a:rPr lang="fr-FR" smtClean="0"/>
-              <a:t>29/05/2023</a:t>
+              <a:t>31/05/2023</a:t>
             </a:fld>
             <a:endParaRPr lang="fr-FR"/>
           </a:p>
@@ -2199,7 +2200,7 @@
           <a:p>
             <a:fld id="{E2C5A81D-9CC5-4ECE-BDBC-3CB37B02B3B4}" type="datetimeFigureOut">
               <a:rPr lang="fr-FR" smtClean="0"/>
-              <a:t>29/05/2023</a:t>
+              <a:t>31/05/2023</a:t>
             </a:fld>
             <a:endParaRPr lang="fr-FR"/>
           </a:p>
@@ -2340,7 +2341,7 @@
           <a:p>
             <a:fld id="{E2C5A81D-9CC5-4ECE-BDBC-3CB37B02B3B4}" type="datetimeFigureOut">
               <a:rPr lang="fr-FR" smtClean="0"/>
-              <a:t>29/05/2023</a:t>
+              <a:t>31/05/2023</a:t>
             </a:fld>
             <a:endParaRPr lang="fr-FR"/>
           </a:p>
@@ -2453,7 +2454,7 @@
           <a:p>
             <a:fld id="{E2C5A81D-9CC5-4ECE-BDBC-3CB37B02B3B4}" type="datetimeFigureOut">
               <a:rPr lang="fr-FR" smtClean="0"/>
-              <a:t>29/05/2023</a:t>
+              <a:t>31/05/2023</a:t>
             </a:fld>
             <a:endParaRPr lang="fr-FR"/>
           </a:p>
@@ -2764,7 +2765,7 @@
           <a:p>
             <a:fld id="{E2C5A81D-9CC5-4ECE-BDBC-3CB37B02B3B4}" type="datetimeFigureOut">
               <a:rPr lang="fr-FR" smtClean="0"/>
-              <a:t>29/05/2023</a:t>
+              <a:t>31/05/2023</a:t>
             </a:fld>
             <a:endParaRPr lang="fr-FR"/>
           </a:p>
@@ -3052,7 +3053,7 @@
           <a:p>
             <a:fld id="{E2C5A81D-9CC5-4ECE-BDBC-3CB37B02B3B4}" type="datetimeFigureOut">
               <a:rPr lang="fr-FR" smtClean="0"/>
-              <a:t>29/05/2023</a:t>
+              <a:t>31/05/2023</a:t>
             </a:fld>
             <a:endParaRPr lang="fr-FR"/>
           </a:p>
@@ -3293,7 +3294,7 @@
           <a:p>
             <a:fld id="{E2C5A81D-9CC5-4ECE-BDBC-3CB37B02B3B4}" type="datetimeFigureOut">
               <a:rPr lang="fr-FR" smtClean="0"/>
-              <a:t>29/05/2023</a:t>
+              <a:t>31/05/2023</a:t>
             </a:fld>
             <a:endParaRPr lang="fr-FR"/>
           </a:p>
@@ -3795,6 +3796,795 @@
           <p:cNvPr id="2" name="Titre 1">
             <a:extLst>
               <a:ext uri="{FF2B5EF4-FFF2-40B4-BE49-F238E27FC236}">
+                <a16:creationId xmlns:a16="http://schemas.microsoft.com/office/drawing/2014/main" id="{CC473BC4-6785-02B1-DE7A-8C8AF0FF2492}"/>
+              </a:ext>
+            </a:extLst>
+          </p:cNvPr>
+          <p:cNvSpPr>
+            <a:spLocks noGrp="1"/>
+          </p:cNvSpPr>
+          <p:nvPr>
+            <p:ph type="title"/>
+          </p:nvPr>
+        </p:nvSpPr>
+        <p:spPr/>
+        <p:txBody>
+          <a:bodyPr/>
+          <a:lstStyle/>
+          <a:p>
+            <a:endParaRPr lang="fr-FR"/>
+          </a:p>
+        </p:txBody>
+      </p:sp>
+      <p:pic>
+        <p:nvPicPr>
+          <p:cNvPr id="5" name="Espace réservé du contenu 4">
+            <a:extLst>
+              <a:ext uri="{FF2B5EF4-FFF2-40B4-BE49-F238E27FC236}">
+                <a16:creationId xmlns:a16="http://schemas.microsoft.com/office/drawing/2014/main" id="{725F8270-818E-F3B2-1C52-0F0548BBD93F}"/>
+              </a:ext>
+            </a:extLst>
+          </p:cNvPr>
+          <p:cNvPicPr>
+            <a:picLocks noGrp="1" noChangeAspect="1"/>
+          </p:cNvPicPr>
+          <p:nvPr>
+            <p:ph idx="1"/>
+          </p:nvPr>
+        </p:nvPicPr>
+        <p:blipFill>
+          <a:blip r:embed="rId2"/>
+          <a:stretch>
+            <a:fillRect/>
+          </a:stretch>
+        </p:blipFill>
+        <p:spPr>
+          <a:xfrm>
+            <a:off x="346509" y="2350400"/>
+            <a:ext cx="11498982" cy="3301788"/>
+          </a:xfrm>
+        </p:spPr>
+      </p:pic>
+      <mc:AlternateContent xmlns:mc="http://schemas.openxmlformats.org/markup-compatibility/2006" xmlns:p14="http://schemas.microsoft.com/office/powerpoint/2010/main">
+        <mc:Choice Requires="p14">
+          <p:contentPart p14:bwMode="auto" r:id="rId3">
+            <p14:nvContentPartPr>
+              <p14:cNvPr id="8" name="Encre 7">
+                <a:extLst>
+                  <a:ext uri="{FF2B5EF4-FFF2-40B4-BE49-F238E27FC236}">
+                    <a16:creationId xmlns:a16="http://schemas.microsoft.com/office/drawing/2014/main" id="{F9FD913A-0CEF-D6F9-DA11-E98E08D3295D}"/>
+                  </a:ext>
+                </a:extLst>
+              </p14:cNvPr>
+              <p14:cNvContentPartPr/>
+              <p14:nvPr/>
+            </p14:nvContentPartPr>
+            <p14:xfrm>
+              <a:off x="5505518" y="4234718"/>
+              <a:ext cx="360" cy="360"/>
+            </p14:xfrm>
+          </p:contentPart>
+        </mc:Choice>
+        <mc:Fallback xmlns="">
+          <p:pic>
+            <p:nvPicPr>
+              <p:cNvPr id="8" name="Encre 7">
+                <a:extLst>
+                  <a:ext uri="{FF2B5EF4-FFF2-40B4-BE49-F238E27FC236}">
+                    <a16:creationId xmlns:a16="http://schemas.microsoft.com/office/drawing/2014/main" id="{F9FD913A-0CEF-D6F9-DA11-E98E08D3295D}"/>
+                  </a:ext>
+                </a:extLst>
+              </p:cNvPr>
+              <p:cNvPicPr/>
+              <p:nvPr/>
+            </p:nvPicPr>
+            <p:blipFill>
+              <a:blip r:embed="rId4"/>
+              <a:stretch>
+                <a:fillRect/>
+              </a:stretch>
+            </p:blipFill>
+            <p:spPr>
+              <a:xfrm>
+                <a:off x="5496518" y="4225718"/>
+                <a:ext cx="18000" cy="18000"/>
+              </a:xfrm>
+              <a:prstGeom prst="rect">
+                <a:avLst/>
+              </a:prstGeom>
+            </p:spPr>
+          </p:pic>
+        </mc:Fallback>
+      </mc:AlternateContent>
+      <p:grpSp>
+        <p:nvGrpSpPr>
+          <p:cNvPr id="21" name="Groupe 20">
+            <a:extLst>
+              <a:ext uri="{FF2B5EF4-FFF2-40B4-BE49-F238E27FC236}">
+                <a16:creationId xmlns:a16="http://schemas.microsoft.com/office/drawing/2014/main" id="{B06CB631-4C15-B134-3BCD-AB12873FAFE3}"/>
+              </a:ext>
+            </a:extLst>
+          </p:cNvPr>
+          <p:cNvGrpSpPr/>
+          <p:nvPr/>
+        </p:nvGrpSpPr>
+        <p:grpSpPr>
+          <a:xfrm>
+            <a:off x="5733758" y="4927358"/>
+            <a:ext cx="649800" cy="657000"/>
+            <a:chOff x="5733758" y="4927358"/>
+            <a:chExt cx="649800" cy="657000"/>
+          </a:xfrm>
+        </p:grpSpPr>
+        <mc:AlternateContent xmlns:mc="http://schemas.openxmlformats.org/markup-compatibility/2006" xmlns:p14="http://schemas.microsoft.com/office/powerpoint/2010/main">
+          <mc:Choice Requires="p14">
+            <p:contentPart p14:bwMode="auto" r:id="rId5">
+              <p14:nvContentPartPr>
+                <p14:cNvPr id="9" name="Encre 8">
+                  <a:extLst>
+                    <a:ext uri="{FF2B5EF4-FFF2-40B4-BE49-F238E27FC236}">
+                      <a16:creationId xmlns:a16="http://schemas.microsoft.com/office/drawing/2014/main" id="{8DCA97ED-3815-2254-3EC2-324908B80F65}"/>
+                    </a:ext>
+                  </a:extLst>
+                </p14:cNvPr>
+                <p14:cNvContentPartPr/>
+                <p14:nvPr/>
+              </p14:nvContentPartPr>
+              <p14:xfrm>
+                <a:off x="5733758" y="4927358"/>
+                <a:ext cx="649800" cy="657000"/>
+              </p14:xfrm>
+            </p:contentPart>
+          </mc:Choice>
+          <mc:Fallback xmlns="">
+            <p:pic>
+              <p:nvPicPr>
+                <p:cNvPr id="9" name="Encre 8">
+                  <a:extLst>
+                    <a:ext uri="{FF2B5EF4-FFF2-40B4-BE49-F238E27FC236}">
+                      <a16:creationId xmlns:a16="http://schemas.microsoft.com/office/drawing/2014/main" id="{8DCA97ED-3815-2254-3EC2-324908B80F65}"/>
+                    </a:ext>
+                  </a:extLst>
+                </p:cNvPr>
+                <p:cNvPicPr/>
+                <p:nvPr/>
+              </p:nvPicPr>
+              <p:blipFill>
+                <a:blip r:embed="rId6"/>
+                <a:stretch>
+                  <a:fillRect/>
+                </a:stretch>
+              </p:blipFill>
+              <p:spPr>
+                <a:xfrm>
+                  <a:off x="5724758" y="4918718"/>
+                  <a:ext cx="667440" cy="674640"/>
+                </a:xfrm>
+                <a:prstGeom prst="rect">
+                  <a:avLst/>
+                </a:prstGeom>
+              </p:spPr>
+            </p:pic>
+          </mc:Fallback>
+        </mc:AlternateContent>
+        <mc:AlternateContent xmlns:mc="http://schemas.openxmlformats.org/markup-compatibility/2006" xmlns:p14="http://schemas.microsoft.com/office/powerpoint/2010/main">
+          <mc:Choice Requires="p14">
+            <p:contentPart p14:bwMode="auto" r:id="rId7">
+              <p14:nvContentPartPr>
+                <p14:cNvPr id="10" name="Encre 9">
+                  <a:extLst>
+                    <a:ext uri="{FF2B5EF4-FFF2-40B4-BE49-F238E27FC236}">
+                      <a16:creationId xmlns:a16="http://schemas.microsoft.com/office/drawing/2014/main" id="{31AC051D-A5C8-3BB0-6C0C-9A0535FF7E62}"/>
+                    </a:ext>
+                  </a:extLst>
+                </p14:cNvPr>
+                <p14:cNvContentPartPr/>
+                <p14:nvPr/>
+              </p14:nvContentPartPr>
+              <p14:xfrm>
+                <a:off x="6015638" y="5072438"/>
+                <a:ext cx="360" cy="2160"/>
+              </p14:xfrm>
+            </p:contentPart>
+          </mc:Choice>
+          <mc:Fallback xmlns="">
+            <p:pic>
+              <p:nvPicPr>
+                <p:cNvPr id="10" name="Encre 9">
+                  <a:extLst>
+                    <a:ext uri="{FF2B5EF4-FFF2-40B4-BE49-F238E27FC236}">
+                      <a16:creationId xmlns:a16="http://schemas.microsoft.com/office/drawing/2014/main" id="{31AC051D-A5C8-3BB0-6C0C-9A0535FF7E62}"/>
+                    </a:ext>
+                  </a:extLst>
+                </p:cNvPr>
+                <p:cNvPicPr/>
+                <p:nvPr/>
+              </p:nvPicPr>
+              <p:blipFill>
+                <a:blip r:embed="rId8"/>
+                <a:stretch>
+                  <a:fillRect/>
+                </a:stretch>
+              </p:blipFill>
+              <p:spPr>
+                <a:xfrm>
+                  <a:off x="6006998" y="5063438"/>
+                  <a:ext cx="18000" cy="19800"/>
+                </a:xfrm>
+                <a:prstGeom prst="rect">
+                  <a:avLst/>
+                </a:prstGeom>
+              </p:spPr>
+            </p:pic>
+          </mc:Fallback>
+        </mc:AlternateContent>
+        <mc:AlternateContent xmlns:mc="http://schemas.openxmlformats.org/markup-compatibility/2006" xmlns:p14="http://schemas.microsoft.com/office/powerpoint/2010/main">
+          <mc:Choice Requires="p14">
+            <p:contentPart p14:bwMode="auto" r:id="rId9">
+              <p14:nvContentPartPr>
+                <p14:cNvPr id="12" name="Encre 11">
+                  <a:extLst>
+                    <a:ext uri="{FF2B5EF4-FFF2-40B4-BE49-F238E27FC236}">
+                      <a16:creationId xmlns:a16="http://schemas.microsoft.com/office/drawing/2014/main" id="{FF8BDDA9-EE01-E7C1-2179-0469A867B2AC}"/>
+                    </a:ext>
+                  </a:extLst>
+                </p14:cNvPr>
+                <p14:cNvContentPartPr/>
+                <p14:nvPr/>
+              </p14:nvContentPartPr>
+              <p14:xfrm>
+                <a:off x="6015638" y="5082158"/>
+                <a:ext cx="360" cy="75600"/>
+              </p14:xfrm>
+            </p:contentPart>
+          </mc:Choice>
+          <mc:Fallback xmlns="">
+            <p:pic>
+              <p:nvPicPr>
+                <p:cNvPr id="12" name="Encre 11">
+                  <a:extLst>
+                    <a:ext uri="{FF2B5EF4-FFF2-40B4-BE49-F238E27FC236}">
+                      <a16:creationId xmlns:a16="http://schemas.microsoft.com/office/drawing/2014/main" id="{FF8BDDA9-EE01-E7C1-2179-0469A867B2AC}"/>
+                    </a:ext>
+                  </a:extLst>
+                </p:cNvPr>
+                <p:cNvPicPr/>
+                <p:nvPr/>
+              </p:nvPicPr>
+              <p:blipFill>
+                <a:blip r:embed="rId10"/>
+                <a:stretch>
+                  <a:fillRect/>
+                </a:stretch>
+              </p:blipFill>
+              <p:spPr>
+                <a:xfrm>
+                  <a:off x="6006998" y="5073158"/>
+                  <a:ext cx="18000" cy="93240"/>
+                </a:xfrm>
+                <a:prstGeom prst="rect">
+                  <a:avLst/>
+                </a:prstGeom>
+              </p:spPr>
+            </p:pic>
+          </mc:Fallback>
+        </mc:AlternateContent>
+        <mc:AlternateContent xmlns:mc="http://schemas.openxmlformats.org/markup-compatibility/2006" xmlns:p14="http://schemas.microsoft.com/office/powerpoint/2010/main">
+          <mc:Choice Requires="p14">
+            <p:contentPart p14:bwMode="auto" r:id="rId11">
+              <p14:nvContentPartPr>
+                <p14:cNvPr id="13" name="Encre 12">
+                  <a:extLst>
+                    <a:ext uri="{FF2B5EF4-FFF2-40B4-BE49-F238E27FC236}">
+                      <a16:creationId xmlns:a16="http://schemas.microsoft.com/office/drawing/2014/main" id="{A3A797AB-32DA-0B54-2B2A-E037C5559B32}"/>
+                    </a:ext>
+                  </a:extLst>
+                </p14:cNvPr>
+                <p14:cNvContentPartPr/>
+                <p14:nvPr/>
+              </p14:nvContentPartPr>
+              <p14:xfrm>
+                <a:off x="6015638" y="5312918"/>
+                <a:ext cx="212760" cy="173160"/>
+              </p14:xfrm>
+            </p:contentPart>
+          </mc:Choice>
+          <mc:Fallback xmlns="">
+            <p:pic>
+              <p:nvPicPr>
+                <p:cNvPr id="13" name="Encre 12">
+                  <a:extLst>
+                    <a:ext uri="{FF2B5EF4-FFF2-40B4-BE49-F238E27FC236}">
+                      <a16:creationId xmlns:a16="http://schemas.microsoft.com/office/drawing/2014/main" id="{A3A797AB-32DA-0B54-2B2A-E037C5559B32}"/>
+                    </a:ext>
+                  </a:extLst>
+                </p:cNvPr>
+                <p:cNvPicPr/>
+                <p:nvPr/>
+              </p:nvPicPr>
+              <p:blipFill>
+                <a:blip r:embed="rId12"/>
+                <a:stretch>
+                  <a:fillRect/>
+                </a:stretch>
+              </p:blipFill>
+              <p:spPr>
+                <a:xfrm>
+                  <a:off x="6006638" y="5304278"/>
+                  <a:ext cx="230400" cy="190800"/>
+                </a:xfrm>
+                <a:prstGeom prst="rect">
+                  <a:avLst/>
+                </a:prstGeom>
+              </p:spPr>
+            </p:pic>
+          </mc:Fallback>
+        </mc:AlternateContent>
+        <mc:AlternateContent xmlns:mc="http://schemas.openxmlformats.org/markup-compatibility/2006" xmlns:p14="http://schemas.microsoft.com/office/powerpoint/2010/main">
+          <mc:Choice Requires="p14">
+            <p:contentPart p14:bwMode="auto" r:id="rId13">
+              <p14:nvContentPartPr>
+                <p14:cNvPr id="15" name="Encre 14">
+                  <a:extLst>
+                    <a:ext uri="{FF2B5EF4-FFF2-40B4-BE49-F238E27FC236}">
+                      <a16:creationId xmlns:a16="http://schemas.microsoft.com/office/drawing/2014/main" id="{D22C3F31-8A12-6B14-EA04-FAC141E10B00}"/>
+                    </a:ext>
+                  </a:extLst>
+                </p14:cNvPr>
+                <p14:cNvContentPartPr/>
+                <p14:nvPr/>
+              </p14:nvContentPartPr>
+              <p14:xfrm>
+                <a:off x="6236678" y="5370878"/>
+                <a:ext cx="360" cy="360"/>
+              </p14:xfrm>
+            </p:contentPart>
+          </mc:Choice>
+          <mc:Fallback xmlns="">
+            <p:pic>
+              <p:nvPicPr>
+                <p:cNvPr id="15" name="Encre 14">
+                  <a:extLst>
+                    <a:ext uri="{FF2B5EF4-FFF2-40B4-BE49-F238E27FC236}">
+                      <a16:creationId xmlns:a16="http://schemas.microsoft.com/office/drawing/2014/main" id="{D22C3F31-8A12-6B14-EA04-FAC141E10B00}"/>
+                    </a:ext>
+                  </a:extLst>
+                </p:cNvPr>
+                <p:cNvPicPr/>
+                <p:nvPr/>
+              </p:nvPicPr>
+              <p:blipFill>
+                <a:blip r:embed="rId4"/>
+                <a:stretch>
+                  <a:fillRect/>
+                </a:stretch>
+              </p:blipFill>
+              <p:spPr>
+                <a:xfrm>
+                  <a:off x="6228038" y="5361878"/>
+                  <a:ext cx="18000" cy="18000"/>
+                </a:xfrm>
+                <a:prstGeom prst="rect">
+                  <a:avLst/>
+                </a:prstGeom>
+              </p:spPr>
+            </p:pic>
+          </mc:Fallback>
+        </mc:AlternateContent>
+        <mc:AlternateContent xmlns:mc="http://schemas.openxmlformats.org/markup-compatibility/2006" xmlns:p14="http://schemas.microsoft.com/office/powerpoint/2010/main">
+          <mc:Choice Requires="p14">
+            <p:contentPart p14:bwMode="auto" r:id="rId14">
+              <p14:nvContentPartPr>
+                <p14:cNvPr id="17" name="Encre 16">
+                  <a:extLst>
+                    <a:ext uri="{FF2B5EF4-FFF2-40B4-BE49-F238E27FC236}">
+                      <a16:creationId xmlns:a16="http://schemas.microsoft.com/office/drawing/2014/main" id="{D60904C7-814C-8641-9640-F8434013983D}"/>
+                    </a:ext>
+                  </a:extLst>
+                </p14:cNvPr>
+                <p14:cNvContentPartPr/>
+                <p14:nvPr/>
+              </p14:nvContentPartPr>
+              <p14:xfrm>
+                <a:off x="5993678" y="5226158"/>
+                <a:ext cx="118440" cy="122400"/>
+              </p14:xfrm>
+            </p:contentPart>
+          </mc:Choice>
+          <mc:Fallback xmlns="">
+            <p:pic>
+              <p:nvPicPr>
+                <p:cNvPr id="17" name="Encre 16">
+                  <a:extLst>
+                    <a:ext uri="{FF2B5EF4-FFF2-40B4-BE49-F238E27FC236}">
+                      <a16:creationId xmlns:a16="http://schemas.microsoft.com/office/drawing/2014/main" id="{D60904C7-814C-8641-9640-F8434013983D}"/>
+                    </a:ext>
+                  </a:extLst>
+                </p:cNvPr>
+                <p:cNvPicPr/>
+                <p:nvPr/>
+              </p:nvPicPr>
+              <p:blipFill>
+                <a:blip r:embed="rId15"/>
+                <a:stretch>
+                  <a:fillRect/>
+                </a:stretch>
+              </p:blipFill>
+              <p:spPr>
+                <a:xfrm>
+                  <a:off x="5985038" y="5217518"/>
+                  <a:ext cx="136080" cy="140040"/>
+                </a:xfrm>
+                <a:prstGeom prst="rect">
+                  <a:avLst/>
+                </a:prstGeom>
+              </p:spPr>
+            </p:pic>
+          </mc:Fallback>
+        </mc:AlternateContent>
+        <mc:AlternateContent xmlns:mc="http://schemas.openxmlformats.org/markup-compatibility/2006" xmlns:p14="http://schemas.microsoft.com/office/powerpoint/2010/main">
+          <mc:Choice Requires="p14">
+            <p:contentPart p14:bwMode="auto" r:id="rId16">
+              <p14:nvContentPartPr>
+                <p14:cNvPr id="19" name="Encre 18">
+                  <a:extLst>
+                    <a:ext uri="{FF2B5EF4-FFF2-40B4-BE49-F238E27FC236}">
+                      <a16:creationId xmlns:a16="http://schemas.microsoft.com/office/drawing/2014/main" id="{8A3C8C24-FCED-AF79-CC7B-FEB7FC1AA1D9}"/>
+                    </a:ext>
+                  </a:extLst>
+                </p14:cNvPr>
+                <p14:cNvContentPartPr/>
+                <p14:nvPr/>
+              </p14:nvContentPartPr>
+              <p14:xfrm>
+                <a:off x="6217598" y="5380238"/>
+                <a:ext cx="360" cy="86040"/>
+              </p14:xfrm>
+            </p:contentPart>
+          </mc:Choice>
+          <mc:Fallback xmlns="">
+            <p:pic>
+              <p:nvPicPr>
+                <p:cNvPr id="19" name="Encre 18">
+                  <a:extLst>
+                    <a:ext uri="{FF2B5EF4-FFF2-40B4-BE49-F238E27FC236}">
+                      <a16:creationId xmlns:a16="http://schemas.microsoft.com/office/drawing/2014/main" id="{8A3C8C24-FCED-AF79-CC7B-FEB7FC1AA1D9}"/>
+                    </a:ext>
+                  </a:extLst>
+                </p:cNvPr>
+                <p:cNvPicPr/>
+                <p:nvPr/>
+              </p:nvPicPr>
+              <p:blipFill>
+                <a:blip r:embed="rId17"/>
+                <a:stretch>
+                  <a:fillRect/>
+                </a:stretch>
+              </p:blipFill>
+              <p:spPr>
+                <a:xfrm>
+                  <a:off x="6208958" y="5371238"/>
+                  <a:ext cx="18000" cy="103680"/>
+                </a:xfrm>
+                <a:prstGeom prst="rect">
+                  <a:avLst/>
+                </a:prstGeom>
+              </p:spPr>
+            </p:pic>
+          </mc:Fallback>
+        </mc:AlternateContent>
+        <mc:AlternateContent xmlns:mc="http://schemas.openxmlformats.org/markup-compatibility/2006" xmlns:p14="http://schemas.microsoft.com/office/powerpoint/2010/main">
+          <mc:Choice Requires="p14">
+            <p:contentPart p14:bwMode="auto" r:id="rId18">
+              <p14:nvContentPartPr>
+                <p14:cNvPr id="20" name="Encre 19">
+                  <a:extLst>
+                    <a:ext uri="{FF2B5EF4-FFF2-40B4-BE49-F238E27FC236}">
+                      <a16:creationId xmlns:a16="http://schemas.microsoft.com/office/drawing/2014/main" id="{A13E9B38-27F2-24C9-19A7-296AD13781F7}"/>
+                    </a:ext>
+                  </a:extLst>
+                </p14:cNvPr>
+                <p14:cNvContentPartPr/>
+                <p14:nvPr/>
+              </p14:nvContentPartPr>
+              <p14:xfrm>
+                <a:off x="6265478" y="5245958"/>
+                <a:ext cx="360" cy="360"/>
+              </p14:xfrm>
+            </p:contentPart>
+          </mc:Choice>
+          <mc:Fallback xmlns="">
+            <p:pic>
+              <p:nvPicPr>
+                <p:cNvPr id="20" name="Encre 19">
+                  <a:extLst>
+                    <a:ext uri="{FF2B5EF4-FFF2-40B4-BE49-F238E27FC236}">
+                      <a16:creationId xmlns:a16="http://schemas.microsoft.com/office/drawing/2014/main" id="{A13E9B38-27F2-24C9-19A7-296AD13781F7}"/>
+                    </a:ext>
+                  </a:extLst>
+                </p:cNvPr>
+                <p:cNvPicPr/>
+                <p:nvPr/>
+              </p:nvPicPr>
+              <p:blipFill>
+                <a:blip r:embed="rId4"/>
+                <a:stretch>
+                  <a:fillRect/>
+                </a:stretch>
+              </p:blipFill>
+              <p:spPr>
+                <a:xfrm>
+                  <a:off x="6256838" y="5236958"/>
+                  <a:ext cx="18000" cy="18000"/>
+                </a:xfrm>
+                <a:prstGeom prst="rect">
+                  <a:avLst/>
+                </a:prstGeom>
+              </p:spPr>
+            </p:pic>
+          </mc:Fallback>
+        </mc:AlternateContent>
+      </p:grpSp>
+      <p:grpSp>
+        <p:nvGrpSpPr>
+          <p:cNvPr id="23" name="Groupe 22">
+            <a:extLst>
+              <a:ext uri="{FF2B5EF4-FFF2-40B4-BE49-F238E27FC236}">
+                <a16:creationId xmlns:a16="http://schemas.microsoft.com/office/drawing/2014/main" id="{DFED1114-9243-B60B-67B4-620CD36CE2A0}"/>
+              </a:ext>
+            </a:extLst>
+          </p:cNvPr>
+          <p:cNvGrpSpPr/>
+          <p:nvPr/>
+        </p:nvGrpSpPr>
+        <p:grpSpPr>
+          <a:xfrm>
+            <a:off x="2299358" y="2510678"/>
+            <a:ext cx="4843497" cy="2264040"/>
+            <a:chOff x="2299358" y="2510678"/>
+            <a:chExt cx="4843497" cy="2264040"/>
+          </a:xfrm>
+        </p:grpSpPr>
+        <mc:AlternateContent xmlns:mc="http://schemas.openxmlformats.org/markup-compatibility/2006" xmlns:p14="http://schemas.microsoft.com/office/powerpoint/2010/main">
+          <mc:Choice Requires="p14">
+            <p:contentPart p14:bwMode="auto" r:id="rId19">
+              <p14:nvContentPartPr>
+                <p14:cNvPr id="3" name="Encre 2">
+                  <a:extLst>
+                    <a:ext uri="{FF2B5EF4-FFF2-40B4-BE49-F238E27FC236}">
+                      <a16:creationId xmlns:a16="http://schemas.microsoft.com/office/drawing/2014/main" id="{E8D1AE20-C379-1B48-3645-6D2D641EB1D2}"/>
+                    </a:ext>
+                  </a:extLst>
+                </p14:cNvPr>
+                <p14:cNvContentPartPr/>
+                <p14:nvPr/>
+              </p14:nvContentPartPr>
+              <p14:xfrm>
+                <a:off x="2299358" y="4118078"/>
+                <a:ext cx="311400" cy="349560"/>
+              </p14:xfrm>
+            </p:contentPart>
+          </mc:Choice>
+          <mc:Fallback xmlns="">
+            <p:pic>
+              <p:nvPicPr>
+                <p:cNvPr id="3" name="Encre 2">
+                  <a:extLst>
+                    <a:ext uri="{FF2B5EF4-FFF2-40B4-BE49-F238E27FC236}">
+                      <a16:creationId xmlns:a16="http://schemas.microsoft.com/office/drawing/2014/main" id="{E8D1AE20-C379-1B48-3645-6D2D641EB1D2}"/>
+                    </a:ext>
+                  </a:extLst>
+                </p:cNvPr>
+                <p:cNvPicPr/>
+                <p:nvPr/>
+              </p:nvPicPr>
+              <p:blipFill>
+                <a:blip r:embed="rId20"/>
+                <a:stretch>
+                  <a:fillRect/>
+                </a:stretch>
+              </p:blipFill>
+              <p:spPr>
+                <a:xfrm>
+                  <a:off x="2290358" y="4109438"/>
+                  <a:ext cx="329040" cy="367200"/>
+                </a:xfrm>
+                <a:prstGeom prst="rect">
+                  <a:avLst/>
+                </a:prstGeom>
+              </p:spPr>
+            </p:pic>
+          </mc:Fallback>
+        </mc:AlternateContent>
+        <mc:AlternateContent xmlns:mc="http://schemas.openxmlformats.org/markup-compatibility/2006" xmlns:p14="http://schemas.microsoft.com/office/powerpoint/2010/main">
+          <mc:Choice Requires="p14">
+            <p:contentPart p14:bwMode="auto" r:id="rId21">
+              <p14:nvContentPartPr>
+                <p14:cNvPr id="4" name="Encre 3">
+                  <a:extLst>
+                    <a:ext uri="{FF2B5EF4-FFF2-40B4-BE49-F238E27FC236}">
+                      <a16:creationId xmlns:a16="http://schemas.microsoft.com/office/drawing/2014/main" id="{13174A62-6D8E-44DB-3088-6757F8069DD8}"/>
+                    </a:ext>
+                  </a:extLst>
+                </p14:cNvPr>
+                <p14:cNvContentPartPr/>
+                <p14:nvPr/>
+              </p14:nvContentPartPr>
+              <p14:xfrm>
+                <a:off x="2378558" y="4071638"/>
+                <a:ext cx="268560" cy="251280"/>
+              </p14:xfrm>
+            </p:contentPart>
+          </mc:Choice>
+          <mc:Fallback xmlns="">
+            <p:pic>
+              <p:nvPicPr>
+                <p:cNvPr id="4" name="Encre 3">
+                  <a:extLst>
+                    <a:ext uri="{FF2B5EF4-FFF2-40B4-BE49-F238E27FC236}">
+                      <a16:creationId xmlns:a16="http://schemas.microsoft.com/office/drawing/2014/main" id="{13174A62-6D8E-44DB-3088-6757F8069DD8}"/>
+                    </a:ext>
+                  </a:extLst>
+                </p:cNvPr>
+                <p:cNvPicPr/>
+                <p:nvPr/>
+              </p:nvPicPr>
+              <p:blipFill>
+                <a:blip r:embed="rId22"/>
+                <a:stretch>
+                  <a:fillRect/>
+                </a:stretch>
+              </p:blipFill>
+              <p:spPr>
+                <a:xfrm>
+                  <a:off x="2369558" y="4062638"/>
+                  <a:ext cx="286200" cy="268920"/>
+                </a:xfrm>
+                <a:prstGeom prst="rect">
+                  <a:avLst/>
+                </a:prstGeom>
+              </p:spPr>
+            </p:pic>
+          </mc:Fallback>
+        </mc:AlternateContent>
+        <mc:AlternateContent xmlns:mc="http://schemas.openxmlformats.org/markup-compatibility/2006" xmlns:p14="http://schemas.microsoft.com/office/powerpoint/2010/main">
+          <mc:Choice Requires="p14">
+            <p:contentPart p14:bwMode="auto" r:id="rId23">
+              <p14:nvContentPartPr>
+                <p14:cNvPr id="6" name="Encre 5">
+                  <a:extLst>
+                    <a:ext uri="{FF2B5EF4-FFF2-40B4-BE49-F238E27FC236}">
+                      <a16:creationId xmlns:a16="http://schemas.microsoft.com/office/drawing/2014/main" id="{DFA06153-D1D6-4B0F-FCF2-0514944FD6E1}"/>
+                    </a:ext>
+                  </a:extLst>
+                </p14:cNvPr>
+                <p14:cNvContentPartPr/>
+                <p14:nvPr/>
+              </p14:nvContentPartPr>
+              <p14:xfrm>
+                <a:off x="2358038" y="4244438"/>
+                <a:ext cx="4320" cy="4680"/>
+              </p14:xfrm>
+            </p:contentPart>
+          </mc:Choice>
+          <mc:Fallback xmlns="">
+            <p:pic>
+              <p:nvPicPr>
+                <p:cNvPr id="6" name="Encre 5">
+                  <a:extLst>
+                    <a:ext uri="{FF2B5EF4-FFF2-40B4-BE49-F238E27FC236}">
+                      <a16:creationId xmlns:a16="http://schemas.microsoft.com/office/drawing/2014/main" id="{DFA06153-D1D6-4B0F-FCF2-0514944FD6E1}"/>
+                    </a:ext>
+                  </a:extLst>
+                </p:cNvPr>
+                <p:cNvPicPr/>
+                <p:nvPr/>
+              </p:nvPicPr>
+              <p:blipFill>
+                <a:blip r:embed="rId24"/>
+                <a:stretch>
+                  <a:fillRect/>
+                </a:stretch>
+              </p:blipFill>
+              <p:spPr>
+                <a:xfrm>
+                  <a:off x="2349038" y="4235798"/>
+                  <a:ext cx="21960" cy="22320"/>
+                </a:xfrm>
+                <a:prstGeom prst="rect">
+                  <a:avLst/>
+                </a:prstGeom>
+              </p:spPr>
+            </p:pic>
+          </mc:Fallback>
+        </mc:AlternateContent>
+        <mc:AlternateContent xmlns:mc="http://schemas.openxmlformats.org/markup-compatibility/2006" xmlns:p14="http://schemas.microsoft.com/office/powerpoint/2010/main">
+          <mc:Choice Requires="p14">
+            <p:contentPart p14:bwMode="auto" r:id="rId25">
+              <p14:nvContentPartPr>
+                <p14:cNvPr id="22" name="Encre 21">
+                  <a:extLst>
+                    <a:ext uri="{FF2B5EF4-FFF2-40B4-BE49-F238E27FC236}">
+                      <a16:creationId xmlns:a16="http://schemas.microsoft.com/office/drawing/2014/main" id="{C7C18888-AF46-E450-40C9-F4BCC885AA22}"/>
+                    </a:ext>
+                  </a:extLst>
+                </p14:cNvPr>
+                <p14:cNvContentPartPr/>
+                <p14:nvPr/>
+              </p14:nvContentPartPr>
+              <p14:xfrm>
+                <a:off x="2559335" y="2510678"/>
+                <a:ext cx="4583520" cy="2264040"/>
+              </p14:xfrm>
+            </p:contentPart>
+          </mc:Choice>
+          <mc:Fallback xmlns="">
+            <p:pic>
+              <p:nvPicPr>
+                <p:cNvPr id="22" name="Encre 21">
+                  <a:extLst>
+                    <a:ext uri="{FF2B5EF4-FFF2-40B4-BE49-F238E27FC236}">
+                      <a16:creationId xmlns:a16="http://schemas.microsoft.com/office/drawing/2014/main" id="{C7C18888-AF46-E450-40C9-F4BCC885AA22}"/>
+                    </a:ext>
+                  </a:extLst>
+                </p:cNvPr>
+                <p:cNvPicPr/>
+                <p:nvPr/>
+              </p:nvPicPr>
+              <p:blipFill>
+                <a:blip r:embed="rId26"/>
+                <a:stretch>
+                  <a:fillRect/>
+                </a:stretch>
+              </p:blipFill>
+              <p:spPr>
+                <a:xfrm>
+                  <a:off x="2550695" y="2502038"/>
+                  <a:ext cx="4601160" cy="2281680"/>
+                </a:xfrm>
+                <a:prstGeom prst="rect">
+                  <a:avLst/>
+                </a:prstGeom>
+              </p:spPr>
+            </p:pic>
+          </mc:Fallback>
+        </mc:AlternateContent>
+      </p:grpSp>
+    </p:spTree>
+    <p:extLst>
+      <p:ext uri="{BB962C8B-B14F-4D97-AF65-F5344CB8AC3E}">
+        <p14:creationId xmlns:p14="http://schemas.microsoft.com/office/powerpoint/2010/main" val="3337436323"/>
+      </p:ext>
+    </p:extLst>
+  </p:cSld>
+  <p:clrMapOvr>
+    <a:masterClrMapping/>
+  </p:clrMapOvr>
+</p:sld>
+</file>
+
+<file path=ppt/slides/slide11.xml><?xml version="1.0" encoding="utf-8"?>
+<p:sld xmlns:a="http://schemas.openxmlformats.org/drawingml/2006/main" xmlns:r="http://schemas.openxmlformats.org/officeDocument/2006/relationships" xmlns:p="http://schemas.openxmlformats.org/presentationml/2006/main">
+  <p:cSld>
+    <p:spTree>
+      <p:nvGrpSpPr>
+        <p:cNvPr id="1" name=""/>
+        <p:cNvGrpSpPr/>
+        <p:nvPr/>
+      </p:nvGrpSpPr>
+      <p:grpSpPr>
+        <a:xfrm>
+          <a:off x="0" y="0"/>
+          <a:ext cx="0" cy="0"/>
+          <a:chOff x="0" y="0"/>
+          <a:chExt cx="0" cy="0"/>
+        </a:xfrm>
+      </p:grpSpPr>
+      <p:sp>
+        <p:nvSpPr>
+          <p:cNvPr id="2" name="Titre 1">
+            <a:extLst>
+              <a:ext uri="{FF2B5EF4-FFF2-40B4-BE49-F238E27FC236}">
                 <a16:creationId xmlns:a16="http://schemas.microsoft.com/office/drawing/2014/main" id="{475FFD3F-6995-1681-D01D-184E125AE574}"/>
               </a:ext>
             </a:extLst>
@@ -3854,6 +4644,573 @@
 </file>
 
 <file path=ppt/slides/slide2.xml><?xml version="1.0" encoding="utf-8"?>
+<p:sld xmlns:a="http://schemas.openxmlformats.org/drawingml/2006/main" xmlns:r="http://schemas.openxmlformats.org/officeDocument/2006/relationships" xmlns:p="http://schemas.openxmlformats.org/presentationml/2006/main">
+  <p:cSld>
+    <p:spTree>
+      <p:nvGrpSpPr>
+        <p:cNvPr id="1" name=""/>
+        <p:cNvGrpSpPr/>
+        <p:nvPr/>
+      </p:nvGrpSpPr>
+      <p:grpSpPr>
+        <a:xfrm>
+          <a:off x="0" y="0"/>
+          <a:ext cx="0" cy="0"/>
+          <a:chOff x="0" y="0"/>
+          <a:chExt cx="0" cy="0"/>
+        </a:xfrm>
+      </p:grpSpPr>
+      <p:pic>
+        <p:nvPicPr>
+          <p:cNvPr id="5" name="Image 4">
+            <a:extLst>
+              <a:ext uri="{FF2B5EF4-FFF2-40B4-BE49-F238E27FC236}">
+                <a16:creationId xmlns:a16="http://schemas.microsoft.com/office/drawing/2014/main" id="{0EC858C1-5AE7-345B-ACA6-A4C3B6D3C785}"/>
+              </a:ext>
+            </a:extLst>
+          </p:cNvPr>
+          <p:cNvPicPr>
+            <a:picLocks noChangeAspect="1"/>
+          </p:cNvPicPr>
+          <p:nvPr/>
+        </p:nvPicPr>
+        <p:blipFill>
+          <a:blip r:embed="rId2"/>
+          <a:stretch>
+            <a:fillRect/>
+          </a:stretch>
+        </p:blipFill>
+        <p:spPr>
+          <a:xfrm>
+            <a:off x="3886199" y="389020"/>
+            <a:ext cx="4419602" cy="6079960"/>
+          </a:xfrm>
+          <a:prstGeom prst="rect">
+            <a:avLst/>
+          </a:prstGeom>
+        </p:spPr>
+      </p:pic>
+      <p:cxnSp>
+        <p:nvCxnSpPr>
+          <p:cNvPr id="7" name="Connecteur droit 6">
+            <a:extLst>
+              <a:ext uri="{FF2B5EF4-FFF2-40B4-BE49-F238E27FC236}">
+                <a16:creationId xmlns:a16="http://schemas.microsoft.com/office/drawing/2014/main" id="{485A0CB3-3C7A-3B49-C4FE-2D1379458908}"/>
+              </a:ext>
+            </a:extLst>
+          </p:cNvPr>
+          <p:cNvCxnSpPr>
+            <a:cxnSpLocks/>
+          </p:cNvCxnSpPr>
+          <p:nvPr/>
+        </p:nvCxnSpPr>
+        <p:spPr>
+          <a:xfrm>
+            <a:off x="4321629" y="1284514"/>
+            <a:ext cx="1621971" cy="0"/>
+          </a:xfrm>
+          <a:prstGeom prst="line">
+            <a:avLst/>
+          </a:prstGeom>
+          <a:ln w="38100">
+            <a:tailEnd type="stealth" w="med" len="lg"/>
+          </a:ln>
+        </p:spPr>
+        <p:style>
+          <a:lnRef idx="1">
+            <a:schemeClr val="accent1"/>
+          </a:lnRef>
+          <a:fillRef idx="0">
+            <a:schemeClr val="accent1"/>
+          </a:fillRef>
+          <a:effectRef idx="0">
+            <a:schemeClr val="accent1"/>
+          </a:effectRef>
+          <a:fontRef idx="minor">
+            <a:schemeClr val="tx1"/>
+          </a:fontRef>
+        </p:style>
+      </p:cxnSp>
+      <p:cxnSp>
+        <p:nvCxnSpPr>
+          <p:cNvPr id="9" name="Connecteur droit 8">
+            <a:extLst>
+              <a:ext uri="{FF2B5EF4-FFF2-40B4-BE49-F238E27FC236}">
+                <a16:creationId xmlns:a16="http://schemas.microsoft.com/office/drawing/2014/main" id="{18AD6DB8-2C60-42D8-51F4-0575536474E6}"/>
+              </a:ext>
+            </a:extLst>
+          </p:cNvPr>
+          <p:cNvCxnSpPr>
+            <a:cxnSpLocks/>
+          </p:cNvCxnSpPr>
+          <p:nvPr/>
+        </p:nvCxnSpPr>
+        <p:spPr>
+          <a:xfrm>
+            <a:off x="5861785" y="1284514"/>
+            <a:ext cx="0" cy="2334585"/>
+          </a:xfrm>
+          <a:prstGeom prst="line">
+            <a:avLst/>
+          </a:prstGeom>
+          <a:ln w="38100">
+            <a:tailEnd type="stealth" w="med" len="lg"/>
+          </a:ln>
+        </p:spPr>
+        <p:style>
+          <a:lnRef idx="1">
+            <a:schemeClr val="accent1"/>
+          </a:lnRef>
+          <a:fillRef idx="0">
+            <a:schemeClr val="accent1"/>
+          </a:fillRef>
+          <a:effectRef idx="0">
+            <a:schemeClr val="accent1"/>
+          </a:effectRef>
+          <a:fontRef idx="minor">
+            <a:schemeClr val="tx1"/>
+          </a:fontRef>
+        </p:style>
+      </p:cxnSp>
+      <p:cxnSp>
+        <p:nvCxnSpPr>
+          <p:cNvPr id="12" name="Connecteur droit 11">
+            <a:extLst>
+              <a:ext uri="{FF2B5EF4-FFF2-40B4-BE49-F238E27FC236}">
+                <a16:creationId xmlns:a16="http://schemas.microsoft.com/office/drawing/2014/main" id="{7EDBDCD4-A5CE-E67C-F5D1-12C9D0121E6F}"/>
+              </a:ext>
+            </a:extLst>
+          </p:cNvPr>
+          <p:cNvCxnSpPr>
+            <a:cxnSpLocks/>
+          </p:cNvCxnSpPr>
+          <p:nvPr/>
+        </p:nvCxnSpPr>
+        <p:spPr>
+          <a:xfrm>
+            <a:off x="4321629" y="4748005"/>
+            <a:ext cx="2666312" cy="0"/>
+          </a:xfrm>
+          <a:prstGeom prst="line">
+            <a:avLst/>
+          </a:prstGeom>
+          <a:ln w="38100">
+            <a:tailEnd type="stealth" w="med" len="lg"/>
+          </a:ln>
+        </p:spPr>
+        <p:style>
+          <a:lnRef idx="1">
+            <a:schemeClr val="accent1"/>
+          </a:lnRef>
+          <a:fillRef idx="0">
+            <a:schemeClr val="accent1"/>
+          </a:fillRef>
+          <a:effectRef idx="0">
+            <a:schemeClr val="accent1"/>
+          </a:effectRef>
+          <a:fontRef idx="minor">
+            <a:schemeClr val="tx1"/>
+          </a:fontRef>
+        </p:style>
+      </p:cxnSp>
+      <p:cxnSp>
+        <p:nvCxnSpPr>
+          <p:cNvPr id="14" name="Connecteur droit 13">
+            <a:extLst>
+              <a:ext uri="{FF2B5EF4-FFF2-40B4-BE49-F238E27FC236}">
+                <a16:creationId xmlns:a16="http://schemas.microsoft.com/office/drawing/2014/main" id="{2AF82DC4-ED42-B1F4-728B-32A1622D1E3D}"/>
+              </a:ext>
+            </a:extLst>
+          </p:cNvPr>
+          <p:cNvCxnSpPr>
+            <a:cxnSpLocks/>
+          </p:cNvCxnSpPr>
+          <p:nvPr/>
+        </p:nvCxnSpPr>
+        <p:spPr>
+          <a:xfrm flipV="1">
+            <a:off x="6987941" y="1771048"/>
+            <a:ext cx="0" cy="2976957"/>
+          </a:xfrm>
+          <a:prstGeom prst="line">
+            <a:avLst/>
+          </a:prstGeom>
+          <a:ln w="38100">
+            <a:tailEnd type="stealth" w="med" len="lg"/>
+          </a:ln>
+        </p:spPr>
+        <p:style>
+          <a:lnRef idx="1">
+            <a:schemeClr val="accent1"/>
+          </a:lnRef>
+          <a:fillRef idx="0">
+            <a:schemeClr val="accent1"/>
+          </a:fillRef>
+          <a:effectRef idx="0">
+            <a:schemeClr val="accent1"/>
+          </a:effectRef>
+          <a:fontRef idx="minor">
+            <a:schemeClr val="tx1"/>
+          </a:fontRef>
+        </p:style>
+      </p:cxnSp>
+      <p:cxnSp>
+        <p:nvCxnSpPr>
+          <p:cNvPr id="16" name="Connecteur droit 15">
+            <a:extLst>
+              <a:ext uri="{FF2B5EF4-FFF2-40B4-BE49-F238E27FC236}">
+                <a16:creationId xmlns:a16="http://schemas.microsoft.com/office/drawing/2014/main" id="{7C647791-9008-D4E0-6077-C18309C9734B}"/>
+              </a:ext>
+            </a:extLst>
+          </p:cNvPr>
+          <p:cNvCxnSpPr>
+            <a:cxnSpLocks/>
+          </p:cNvCxnSpPr>
+          <p:nvPr/>
+        </p:nvCxnSpPr>
+        <p:spPr>
+          <a:xfrm flipV="1">
+            <a:off x="6987941" y="1284514"/>
+            <a:ext cx="0" cy="486534"/>
+          </a:xfrm>
+          <a:prstGeom prst="line">
+            <a:avLst/>
+          </a:prstGeom>
+          <a:ln w="38100">
+            <a:solidFill>
+              <a:srgbClr val="FF0000"/>
+            </a:solidFill>
+            <a:tailEnd type="stealth" w="med" len="lg"/>
+          </a:ln>
+        </p:spPr>
+        <p:style>
+          <a:lnRef idx="1">
+            <a:schemeClr val="accent1"/>
+          </a:lnRef>
+          <a:fillRef idx="0">
+            <a:schemeClr val="accent1"/>
+          </a:fillRef>
+          <a:effectRef idx="0">
+            <a:schemeClr val="accent1"/>
+          </a:effectRef>
+          <a:fontRef idx="minor">
+            <a:schemeClr val="tx1"/>
+          </a:fontRef>
+        </p:style>
+      </p:cxnSp>
+      <p:cxnSp>
+        <p:nvCxnSpPr>
+          <p:cNvPr id="18" name="Connecteur droit 17">
+            <a:extLst>
+              <a:ext uri="{FF2B5EF4-FFF2-40B4-BE49-F238E27FC236}">
+                <a16:creationId xmlns:a16="http://schemas.microsoft.com/office/drawing/2014/main" id="{42B6C2EA-5687-777C-9D4B-5FA2F15225BE}"/>
+              </a:ext>
+            </a:extLst>
+          </p:cNvPr>
+          <p:cNvCxnSpPr>
+            <a:cxnSpLocks/>
+          </p:cNvCxnSpPr>
+          <p:nvPr/>
+        </p:nvCxnSpPr>
+        <p:spPr>
+          <a:xfrm flipV="1">
+            <a:off x="5861785" y="3619099"/>
+            <a:ext cx="0" cy="1128906"/>
+          </a:xfrm>
+          <a:prstGeom prst="line">
+            <a:avLst/>
+          </a:prstGeom>
+          <a:ln w="38100">
+            <a:solidFill>
+              <a:srgbClr val="FF0000"/>
+            </a:solidFill>
+            <a:tailEnd type="stealth" w="med" len="lg"/>
+          </a:ln>
+        </p:spPr>
+        <p:style>
+          <a:lnRef idx="1">
+            <a:schemeClr val="accent1"/>
+          </a:lnRef>
+          <a:fillRef idx="0">
+            <a:schemeClr val="accent1"/>
+          </a:fillRef>
+          <a:effectRef idx="0">
+            <a:schemeClr val="accent1"/>
+          </a:effectRef>
+          <a:fontRef idx="minor">
+            <a:schemeClr val="tx1"/>
+          </a:fontRef>
+        </p:style>
+      </p:cxnSp>
+      <mc:AlternateContent xmlns:mc="http://schemas.openxmlformats.org/markup-compatibility/2006">
+        <mc:Choice xmlns:a14="http://schemas.microsoft.com/office/drawing/2010/main" Requires="a14">
+          <p:sp>
+            <p:nvSpPr>
+              <p:cNvPr id="20" name="ZoneTexte 19">
+                <a:extLst>
+                  <a:ext uri="{FF2B5EF4-FFF2-40B4-BE49-F238E27FC236}">
+                    <a16:creationId xmlns:a16="http://schemas.microsoft.com/office/drawing/2014/main" id="{BAE43A55-C8C2-02F1-8460-689F42BE6EE9}"/>
+                  </a:ext>
+                </a:extLst>
+              </p:cNvPr>
+              <p:cNvSpPr txBox="1"/>
+              <p:nvPr/>
+            </p:nvSpPr>
+            <p:spPr>
+              <a:xfrm>
+                <a:off x="7014486" y="1389281"/>
+                <a:ext cx="1264770" cy="276999"/>
+              </a:xfrm>
+              <a:prstGeom prst="rect">
+                <a:avLst/>
+              </a:prstGeom>
+              <a:noFill/>
+            </p:spPr>
+            <p:txBody>
+              <a:bodyPr wrap="none" lIns="0" tIns="0" rIns="0" bIns="0" rtlCol="0">
+                <a:spAutoFit/>
+              </a:bodyPr>
+              <a:lstStyle/>
+              <a:p>
+                <a14:m>
+                  <m:oMathPara xmlns:m="http://schemas.openxmlformats.org/officeDocument/2006/math">
+                    <m:oMathParaPr>
+                      <m:jc m:val="centerGroup"/>
+                    </m:oMathParaPr>
+                    <m:oMath xmlns:m="http://schemas.openxmlformats.org/officeDocument/2006/math">
+                      <m:sSub>
+                        <m:sSubPr>
+                          <m:ctrlPr>
+                            <a:rPr lang="fr-FR" b="0" i="1" smtClean="0">
+                              <a:latin typeface="Cambria Math" panose="02040503050406030204" pitchFamily="18" charset="0"/>
+                            </a:rPr>
+                          </m:ctrlPr>
+                        </m:sSubPr>
+                        <m:e>
+                          <m:r>
+                            <a:rPr lang="fr-FR" b="0" i="1" smtClean="0">
+                              <a:latin typeface="Cambria Math" panose="02040503050406030204" pitchFamily="18" charset="0"/>
+                            </a:rPr>
+                            <m:t>𝑀</m:t>
+                          </m:r>
+                        </m:e>
+                        <m:sub>
+                          <m:r>
+                            <a:rPr lang="fr-FR" b="0" i="1" smtClean="0">
+                              <a:latin typeface="Cambria Math" panose="02040503050406030204" pitchFamily="18" charset="0"/>
+                            </a:rPr>
+                            <m:t>𝐺</m:t>
+                          </m:r>
+                        </m:sub>
+                      </m:sSub>
+                      <m:r>
+                        <a:rPr lang="fr-FR" b="0" i="1" smtClean="0">
+                          <a:latin typeface="Cambria Math" panose="02040503050406030204" pitchFamily="18" charset="0"/>
+                        </a:rPr>
+                        <m:t>=30 </m:t>
+                      </m:r>
+                      <m:r>
+                        <m:rPr>
+                          <m:sty m:val="p"/>
+                        </m:rPr>
+                        <a:rPr lang="fr-FR" b="0" i="0" smtClean="0">
+                          <a:latin typeface="Cambria Math" panose="02040503050406030204" pitchFamily="18" charset="0"/>
+                        </a:rPr>
+                        <m:t>dB</m:t>
+                      </m:r>
+                    </m:oMath>
+                  </m:oMathPara>
+                </a14:m>
+                <a:endParaRPr lang="fr-FR" dirty="0"/>
+              </a:p>
+            </p:txBody>
+          </p:sp>
+        </mc:Choice>
+        <mc:Fallback>
+          <p:sp>
+            <p:nvSpPr>
+              <p:cNvPr id="20" name="ZoneTexte 19">
+                <a:extLst>
+                  <a:ext uri="{FF2B5EF4-FFF2-40B4-BE49-F238E27FC236}">
+                    <a16:creationId xmlns:a16="http://schemas.microsoft.com/office/drawing/2014/main" id="{BAE43A55-C8C2-02F1-8460-689F42BE6EE9}"/>
+                  </a:ext>
+                </a:extLst>
+              </p:cNvPr>
+              <p:cNvSpPr txBox="1">
+                <a:spLocks noRot="1" noChangeAspect="1" noMove="1" noResize="1" noEditPoints="1" noAdjustHandles="1" noChangeArrowheads="1" noChangeShapeType="1" noTextEdit="1"/>
+              </p:cNvSpPr>
+              <p:nvPr/>
+            </p:nvSpPr>
+            <p:spPr>
+              <a:xfrm>
+                <a:off x="7014486" y="1389281"/>
+                <a:ext cx="1264770" cy="276999"/>
+              </a:xfrm>
+              <a:prstGeom prst="rect">
+                <a:avLst/>
+              </a:prstGeom>
+              <a:blipFill>
+                <a:blip r:embed="rId3"/>
+                <a:stretch>
+                  <a:fillRect l="-3382" r="-3865" b="-15556"/>
+                </a:stretch>
+              </a:blipFill>
+            </p:spPr>
+            <p:txBody>
+              <a:bodyPr/>
+              <a:lstStyle/>
+              <a:p>
+                <a:r>
+                  <a:rPr lang="fr-FR">
+                    <a:noFill/>
+                  </a:rPr>
+                  <a:t> </a:t>
+                </a:r>
+              </a:p>
+            </p:txBody>
+          </p:sp>
+        </mc:Fallback>
+      </mc:AlternateContent>
+      <mc:AlternateContent xmlns:mc="http://schemas.openxmlformats.org/markup-compatibility/2006">
+        <mc:Choice xmlns:a14="http://schemas.microsoft.com/office/drawing/2010/main" Requires="a14">
+          <p:sp>
+            <p:nvSpPr>
+              <p:cNvPr id="21" name="ZoneTexte 20">
+                <a:extLst>
+                  <a:ext uri="{FF2B5EF4-FFF2-40B4-BE49-F238E27FC236}">
+                    <a16:creationId xmlns:a16="http://schemas.microsoft.com/office/drawing/2014/main" id="{73ABA442-5AF7-0F55-C683-FB024936C91F}"/>
+                  </a:ext>
+                </a:extLst>
+              </p:cNvPr>
+              <p:cNvSpPr txBox="1"/>
+              <p:nvPr/>
+            </p:nvSpPr>
+            <p:spPr>
+              <a:xfrm>
+                <a:off x="4421831" y="4183552"/>
+                <a:ext cx="1072025" cy="301686"/>
+              </a:xfrm>
+              <a:prstGeom prst="rect">
+                <a:avLst/>
+              </a:prstGeom>
+              <a:noFill/>
+            </p:spPr>
+            <p:txBody>
+              <a:bodyPr wrap="none" lIns="0" tIns="0" rIns="0" bIns="0" rtlCol="0">
+                <a:spAutoFit/>
+              </a:bodyPr>
+              <a:lstStyle/>
+              <a:p>
+                <a14:m>
+                  <m:oMathPara xmlns:m="http://schemas.openxmlformats.org/officeDocument/2006/math">
+                    <m:oMathParaPr>
+                      <m:jc m:val="centerGroup"/>
+                    </m:oMathParaPr>
+                    <m:oMath xmlns:m="http://schemas.openxmlformats.org/officeDocument/2006/math">
+                      <m:sSub>
+                        <m:sSubPr>
+                          <m:ctrlPr>
+                            <a:rPr lang="fr-FR" b="0" i="1" smtClean="0">
+                              <a:latin typeface="Cambria Math" panose="02040503050406030204" pitchFamily="18" charset="0"/>
+                            </a:rPr>
+                          </m:ctrlPr>
+                        </m:sSubPr>
+                        <m:e>
+                          <m:r>
+                            <a:rPr lang="fr-FR" b="0" i="1" smtClean="0">
+                              <a:latin typeface="Cambria Math" panose="02040503050406030204" pitchFamily="18" charset="0"/>
+                            </a:rPr>
+                            <m:t>𝑀</m:t>
+                          </m:r>
+                        </m:e>
+                        <m:sub>
+                          <m:r>
+                            <a:rPr lang="fr-FR" b="0" i="1" smtClean="0">
+                              <a:latin typeface="Cambria Math" panose="02040503050406030204" pitchFamily="18" charset="0"/>
+                            </a:rPr>
+                            <m:t>𝜑</m:t>
+                          </m:r>
+                        </m:sub>
+                      </m:sSub>
+                      <m:r>
+                        <a:rPr lang="fr-FR" b="0" i="1" smtClean="0">
+                          <a:latin typeface="Cambria Math" panose="02040503050406030204" pitchFamily="18" charset="0"/>
+                        </a:rPr>
+                        <m:t>=70 </m:t>
+                      </m:r>
+                      <m:r>
+                        <a:rPr lang="fr-FR" b="0" i="0" smtClean="0">
+                          <a:latin typeface="Cambria Math" panose="02040503050406030204" pitchFamily="18" charset="0"/>
+                        </a:rPr>
+                        <m:t>°</m:t>
+                      </m:r>
+                    </m:oMath>
+                  </m:oMathPara>
+                </a14:m>
+                <a:endParaRPr lang="fr-FR" dirty="0"/>
+              </a:p>
+            </p:txBody>
+          </p:sp>
+        </mc:Choice>
+        <mc:Fallback>
+          <p:sp>
+            <p:nvSpPr>
+              <p:cNvPr id="21" name="ZoneTexte 20">
+                <a:extLst>
+                  <a:ext uri="{FF2B5EF4-FFF2-40B4-BE49-F238E27FC236}">
+                    <a16:creationId xmlns:a16="http://schemas.microsoft.com/office/drawing/2014/main" id="{73ABA442-5AF7-0F55-C683-FB024936C91F}"/>
+                  </a:ext>
+                </a:extLst>
+              </p:cNvPr>
+              <p:cNvSpPr txBox="1">
+                <a:spLocks noRot="1" noChangeAspect="1" noMove="1" noResize="1" noEditPoints="1" noAdjustHandles="1" noChangeArrowheads="1" noChangeShapeType="1" noTextEdit="1"/>
+              </p:cNvSpPr>
+              <p:nvPr/>
+            </p:nvSpPr>
+            <p:spPr>
+              <a:xfrm>
+                <a:off x="4421831" y="4183552"/>
+                <a:ext cx="1072025" cy="301686"/>
+              </a:xfrm>
+              <a:prstGeom prst="rect">
+                <a:avLst/>
+              </a:prstGeom>
+              <a:blipFill>
+                <a:blip r:embed="rId4"/>
+                <a:stretch>
+                  <a:fillRect l="-4545" r="-5114" b="-22000"/>
+                </a:stretch>
+              </a:blipFill>
+            </p:spPr>
+            <p:txBody>
+              <a:bodyPr/>
+              <a:lstStyle/>
+              <a:p>
+                <a:r>
+                  <a:rPr lang="fr-FR">
+                    <a:noFill/>
+                  </a:rPr>
+                  <a:t> </a:t>
+                </a:r>
+              </a:p>
+            </p:txBody>
+          </p:sp>
+        </mc:Fallback>
+      </mc:AlternateContent>
+    </p:spTree>
+    <p:extLst>
+      <p:ext uri="{BB962C8B-B14F-4D97-AF65-F5344CB8AC3E}">
+        <p14:creationId xmlns:p14="http://schemas.microsoft.com/office/powerpoint/2010/main" val="586723879"/>
+      </p:ext>
+    </p:extLst>
+  </p:cSld>
+  <p:clrMapOvr>
+    <a:masterClrMapping/>
+  </p:clrMapOvr>
+</p:sld>
+</file>
+
+<file path=ppt/slides/slide3.xml><?xml version="1.0" encoding="utf-8"?>
 <p:sld xmlns:a="http://schemas.openxmlformats.org/drawingml/2006/main" xmlns:r="http://schemas.openxmlformats.org/officeDocument/2006/relationships" xmlns:p="http://schemas.openxmlformats.org/presentationml/2006/main">
   <p:cSld>
     <p:spTree>
@@ -4419,7 +5776,7 @@
 </p:sld>
 </file>
 
-<file path=ppt/slides/slide3.xml><?xml version="1.0" encoding="utf-8"?>
+<file path=ppt/slides/slide4.xml><?xml version="1.0" encoding="utf-8"?>
 <p:sld xmlns:a="http://schemas.openxmlformats.org/drawingml/2006/main" xmlns:r="http://schemas.openxmlformats.org/officeDocument/2006/relationships" xmlns:p="http://schemas.openxmlformats.org/presentationml/2006/main">
   <p:cSld>
     <p:spTree>
@@ -4465,8 +5822,8 @@
           </a:xfrm>
         </p:spPr>
       </p:pic>
-      <mc:AlternateContent xmlns:mc="http://schemas.openxmlformats.org/markup-compatibility/2006">
-        <mc:Choice xmlns:a14="http://schemas.microsoft.com/office/drawing/2010/main" Requires="a14">
+      <mc:AlternateContent xmlns:mc="http://schemas.openxmlformats.org/markup-compatibility/2006" xmlns:a14="http://schemas.microsoft.com/office/drawing/2010/main">
+        <mc:Choice Requires="a14">
           <p:sp>
             <p:nvSpPr>
               <p:cNvPr id="11" name="Rectangle 10">
@@ -4567,7 +5924,7 @@
             </p:txBody>
           </p:sp>
         </mc:Choice>
-        <mc:Fallback>
+        <mc:Fallback xmlns="">
           <p:sp>
             <p:nvSpPr>
               <p:cNvPr id="11" name="Rectangle 10">
@@ -4617,8 +5974,8 @@
           </p:sp>
         </mc:Fallback>
       </mc:AlternateContent>
-      <mc:AlternateContent xmlns:mc="http://schemas.openxmlformats.org/markup-compatibility/2006">
-        <mc:Choice xmlns:a14="http://schemas.microsoft.com/office/drawing/2010/main" Requires="a14">
+      <mc:AlternateContent xmlns:mc="http://schemas.openxmlformats.org/markup-compatibility/2006" xmlns:a14="http://schemas.microsoft.com/office/drawing/2010/main">
+        <mc:Choice Requires="a14">
           <p:sp>
             <p:nvSpPr>
               <p:cNvPr id="12" name="Rectangle 11">
@@ -4796,7 +6153,7 @@
             </p:txBody>
           </p:sp>
         </mc:Choice>
-        <mc:Fallback>
+        <mc:Fallback xmlns="">
           <p:sp>
             <p:nvSpPr>
               <p:cNvPr id="12" name="Rectangle 11">
@@ -4903,8 +6260,8 @@
           </a:p>
         </p:txBody>
       </p:sp>
-      <mc:AlternateContent xmlns:mc="http://schemas.openxmlformats.org/markup-compatibility/2006">
-        <mc:Choice xmlns:a14="http://schemas.microsoft.com/office/drawing/2010/main" Requires="a14">
+      <mc:AlternateContent xmlns:mc="http://schemas.openxmlformats.org/markup-compatibility/2006" xmlns:a14="http://schemas.microsoft.com/office/drawing/2010/main">
+        <mc:Choice Requires="a14">
           <p:sp>
             <p:nvSpPr>
               <p:cNvPr id="15" name="Rectangle 14">
@@ -5032,7 +6389,7 @@
             </p:txBody>
           </p:sp>
         </mc:Choice>
-        <mc:Fallback>
+        <mc:Fallback xmlns="">
           <p:sp>
             <p:nvSpPr>
               <p:cNvPr id="15" name="Rectangle 14">
@@ -5139,8 +6496,8 @@
           </a:p>
         </p:txBody>
       </p:sp>
-      <mc:AlternateContent xmlns:mc="http://schemas.openxmlformats.org/markup-compatibility/2006">
-        <mc:Choice xmlns:a14="http://schemas.microsoft.com/office/drawing/2010/main" Requires="a14">
+      <mc:AlternateContent xmlns:mc="http://schemas.openxmlformats.org/markup-compatibility/2006" xmlns:a14="http://schemas.microsoft.com/office/drawing/2010/main">
+        <mc:Choice Requires="a14">
           <p:sp>
             <p:nvSpPr>
               <p:cNvPr id="17" name="Rectangle 16">
@@ -5241,7 +6598,7 @@
             </p:txBody>
           </p:sp>
         </mc:Choice>
-        <mc:Fallback>
+        <mc:Fallback xmlns="">
           <p:sp>
             <p:nvSpPr>
               <p:cNvPr id="17" name="Rectangle 16">
@@ -5291,8 +6648,8 @@
           </p:sp>
         </mc:Fallback>
       </mc:AlternateContent>
-      <mc:AlternateContent xmlns:mc="http://schemas.openxmlformats.org/markup-compatibility/2006">
-        <mc:Choice xmlns:a14="http://schemas.microsoft.com/office/drawing/2010/main" Requires="a14">
+      <mc:AlternateContent xmlns:mc="http://schemas.openxmlformats.org/markup-compatibility/2006" xmlns:a14="http://schemas.microsoft.com/office/drawing/2010/main">
+        <mc:Choice Requires="a14">
           <p:sp>
             <p:nvSpPr>
               <p:cNvPr id="18" name="Rectangle 17">
@@ -5436,7 +6793,7 @@
             </p:txBody>
           </p:sp>
         </mc:Choice>
-        <mc:Fallback>
+        <mc:Fallback xmlns="">
           <p:sp>
             <p:nvSpPr>
               <p:cNvPr id="18" name="Rectangle 17">
@@ -5543,8 +6900,8 @@
           </a:p>
         </p:txBody>
       </p:sp>
-      <mc:AlternateContent xmlns:mc="http://schemas.openxmlformats.org/markup-compatibility/2006">
-        <mc:Choice xmlns:a14="http://schemas.microsoft.com/office/drawing/2010/main" Requires="a14">
+      <mc:AlternateContent xmlns:mc="http://schemas.openxmlformats.org/markup-compatibility/2006" xmlns:a14="http://schemas.microsoft.com/office/drawing/2010/main">
+        <mc:Choice Requires="a14">
           <p:sp>
             <p:nvSpPr>
               <p:cNvPr id="20" name="Rectangle 19">
@@ -5645,7 +7002,7 @@
             </p:txBody>
           </p:sp>
         </mc:Choice>
-        <mc:Fallback>
+        <mc:Fallback xmlns="">
           <p:sp>
             <p:nvSpPr>
               <p:cNvPr id="20" name="Rectangle 19">
@@ -5695,8 +7052,8 @@
           </p:sp>
         </mc:Fallback>
       </mc:AlternateContent>
-      <mc:AlternateContent xmlns:mc="http://schemas.openxmlformats.org/markup-compatibility/2006">
-        <mc:Choice xmlns:a14="http://schemas.microsoft.com/office/drawing/2010/main" Requires="a14">
+      <mc:AlternateContent xmlns:mc="http://schemas.openxmlformats.org/markup-compatibility/2006" xmlns:a14="http://schemas.microsoft.com/office/drawing/2010/main">
+        <mc:Choice Requires="a14">
           <p:sp>
             <p:nvSpPr>
               <p:cNvPr id="22" name="Rectangle 21">
@@ -5797,7 +7154,7 @@
             </p:txBody>
           </p:sp>
         </mc:Choice>
-        <mc:Fallback>
+        <mc:Fallback xmlns="">
           <p:sp>
             <p:nvSpPr>
               <p:cNvPr id="22" name="Rectangle 21">
@@ -5847,8 +7204,8 @@
           </p:sp>
         </mc:Fallback>
       </mc:AlternateContent>
-      <mc:AlternateContent xmlns:mc="http://schemas.openxmlformats.org/markup-compatibility/2006">
-        <mc:Choice xmlns:a14="http://schemas.microsoft.com/office/drawing/2010/main" Requires="a14">
+      <mc:AlternateContent xmlns:mc="http://schemas.openxmlformats.org/markup-compatibility/2006" xmlns:a14="http://schemas.microsoft.com/office/drawing/2010/main">
+        <mc:Choice Requires="a14">
           <p:sp>
             <p:nvSpPr>
               <p:cNvPr id="23" name="Rectangle 22">
@@ -5949,7 +7306,7 @@
             </p:txBody>
           </p:sp>
         </mc:Choice>
-        <mc:Fallback>
+        <mc:Fallback xmlns="">
           <p:sp>
             <p:nvSpPr>
               <p:cNvPr id="23" name="Rectangle 22">
@@ -6931,7 +8288,7 @@
 </p:sld>
 </file>
 
-<file path=ppt/slides/slide4.xml><?xml version="1.0" encoding="utf-8"?>
+<file path=ppt/slides/slide5.xml><?xml version="1.0" encoding="utf-8"?>
 <p:sld xmlns:a="http://schemas.openxmlformats.org/drawingml/2006/main" xmlns:r="http://schemas.openxmlformats.org/officeDocument/2006/relationships" xmlns:p="http://schemas.openxmlformats.org/presentationml/2006/main">
   <p:cSld>
     <p:spTree>
@@ -6977,8 +8334,8 @@
           </a:xfrm>
         </p:spPr>
       </p:pic>
-      <mc:AlternateContent xmlns:mc="http://schemas.openxmlformats.org/markup-compatibility/2006">
-        <mc:Choice xmlns:a14="http://schemas.microsoft.com/office/drawing/2010/main" Requires="a14">
+      <mc:AlternateContent xmlns:mc="http://schemas.openxmlformats.org/markup-compatibility/2006" xmlns:a14="http://schemas.microsoft.com/office/drawing/2010/main">
+        <mc:Choice Requires="a14">
           <p:sp>
             <p:nvSpPr>
               <p:cNvPr id="12" name="Rectangle 11">
@@ -7156,7 +8513,7 @@
             </p:txBody>
           </p:sp>
         </mc:Choice>
-        <mc:Fallback>
+        <mc:Fallback xmlns="">
           <p:sp>
             <p:nvSpPr>
               <p:cNvPr id="12" name="Rectangle 11">
@@ -7263,8 +8620,8 @@
           </a:p>
         </p:txBody>
       </p:sp>
-      <mc:AlternateContent xmlns:mc="http://schemas.openxmlformats.org/markup-compatibility/2006">
-        <mc:Choice xmlns:a14="http://schemas.microsoft.com/office/drawing/2010/main" Requires="a14">
+      <mc:AlternateContent xmlns:mc="http://schemas.openxmlformats.org/markup-compatibility/2006" xmlns:a14="http://schemas.microsoft.com/office/drawing/2010/main">
+        <mc:Choice Requires="a14">
           <p:sp>
             <p:nvSpPr>
               <p:cNvPr id="15" name="Rectangle 14">
@@ -7392,7 +8749,7 @@
             </p:txBody>
           </p:sp>
         </mc:Choice>
-        <mc:Fallback>
+        <mc:Fallback xmlns="">
           <p:sp>
             <p:nvSpPr>
               <p:cNvPr id="15" name="Rectangle 14">
@@ -7442,8 +8799,8 @@
           </p:sp>
         </mc:Fallback>
       </mc:AlternateContent>
-      <mc:AlternateContent xmlns:mc="http://schemas.openxmlformats.org/markup-compatibility/2006">
-        <mc:Choice xmlns:a14="http://schemas.microsoft.com/office/drawing/2010/main" Requires="a14">
+      <mc:AlternateContent xmlns:mc="http://schemas.openxmlformats.org/markup-compatibility/2006" xmlns:a14="http://schemas.microsoft.com/office/drawing/2010/main">
+        <mc:Choice Requires="a14">
           <p:sp>
             <p:nvSpPr>
               <p:cNvPr id="17" name="Rectangle 16">
@@ -7544,7 +8901,7 @@
             </p:txBody>
           </p:sp>
         </mc:Choice>
-        <mc:Fallback>
+        <mc:Fallback xmlns="">
           <p:sp>
             <p:nvSpPr>
               <p:cNvPr id="17" name="Rectangle 16">
@@ -7594,8 +8951,8 @@
           </p:sp>
         </mc:Fallback>
       </mc:AlternateContent>
-      <mc:AlternateContent xmlns:mc="http://schemas.openxmlformats.org/markup-compatibility/2006">
-        <mc:Choice xmlns:a14="http://schemas.microsoft.com/office/drawing/2010/main" Requires="a14">
+      <mc:AlternateContent xmlns:mc="http://schemas.openxmlformats.org/markup-compatibility/2006" xmlns:a14="http://schemas.microsoft.com/office/drawing/2010/main">
+        <mc:Choice Requires="a14">
           <p:sp>
             <p:nvSpPr>
               <p:cNvPr id="18" name="Rectangle 17">
@@ -7739,7 +9096,7 @@
             </p:txBody>
           </p:sp>
         </mc:Choice>
-        <mc:Fallback>
+        <mc:Fallback xmlns="">
           <p:sp>
             <p:nvSpPr>
               <p:cNvPr id="18" name="Rectangle 17">
@@ -7846,8 +9203,8 @@
           </a:p>
         </p:txBody>
       </p:sp>
-      <mc:AlternateContent xmlns:mc="http://schemas.openxmlformats.org/markup-compatibility/2006">
-        <mc:Choice xmlns:a14="http://schemas.microsoft.com/office/drawing/2010/main" Requires="a14">
+      <mc:AlternateContent xmlns:mc="http://schemas.openxmlformats.org/markup-compatibility/2006" xmlns:a14="http://schemas.microsoft.com/office/drawing/2010/main">
+        <mc:Choice Requires="a14">
           <p:sp>
             <p:nvSpPr>
               <p:cNvPr id="20" name="Rectangle 19">
@@ -7948,7 +9305,7 @@
             </p:txBody>
           </p:sp>
         </mc:Choice>
-        <mc:Fallback>
+        <mc:Fallback xmlns="">
           <p:sp>
             <p:nvSpPr>
               <p:cNvPr id="20" name="Rectangle 19">
@@ -7998,8 +9355,8 @@
           </p:sp>
         </mc:Fallback>
       </mc:AlternateContent>
-      <mc:AlternateContent xmlns:mc="http://schemas.openxmlformats.org/markup-compatibility/2006">
-        <mc:Choice xmlns:a14="http://schemas.microsoft.com/office/drawing/2010/main" Requires="a14">
+      <mc:AlternateContent xmlns:mc="http://schemas.openxmlformats.org/markup-compatibility/2006" xmlns:a14="http://schemas.microsoft.com/office/drawing/2010/main">
+        <mc:Choice Requires="a14">
           <p:sp>
             <p:nvSpPr>
               <p:cNvPr id="22" name="Rectangle 21">
@@ -8166,7 +9523,7 @@
             </p:txBody>
           </p:sp>
         </mc:Choice>
-        <mc:Fallback>
+        <mc:Fallback xmlns="">
           <p:sp>
             <p:nvSpPr>
               <p:cNvPr id="22" name="Rectangle 21">
@@ -8216,8 +9573,8 @@
           </p:sp>
         </mc:Fallback>
       </mc:AlternateContent>
-      <mc:AlternateContent xmlns:mc="http://schemas.openxmlformats.org/markup-compatibility/2006">
-        <mc:Choice xmlns:a14="http://schemas.microsoft.com/office/drawing/2010/main" Requires="a14">
+      <mc:AlternateContent xmlns:mc="http://schemas.openxmlformats.org/markup-compatibility/2006" xmlns:a14="http://schemas.microsoft.com/office/drawing/2010/main">
+        <mc:Choice Requires="a14">
           <p:sp>
             <p:nvSpPr>
               <p:cNvPr id="23" name="Rectangle 22">
@@ -8318,7 +9675,7 @@
             </p:txBody>
           </p:sp>
         </mc:Choice>
-        <mc:Fallback>
+        <mc:Fallback xmlns="">
           <p:sp>
             <p:nvSpPr>
               <p:cNvPr id="23" name="Rectangle 22">
@@ -9141,8 +10498,8 @@
           </a:fontRef>
         </p:style>
       </p:cxnSp>
-      <mc:AlternateContent xmlns:mc="http://schemas.openxmlformats.org/markup-compatibility/2006">
-        <mc:Choice xmlns:a14="http://schemas.microsoft.com/office/drawing/2010/main" Requires="a14">
+      <mc:AlternateContent xmlns:mc="http://schemas.openxmlformats.org/markup-compatibility/2006" xmlns:a14="http://schemas.microsoft.com/office/drawing/2010/main">
+        <mc:Choice Requires="a14">
           <p:sp>
             <p:nvSpPr>
               <p:cNvPr id="3" name="Rectangle 2">
@@ -9243,7 +10600,7 @@
             </p:txBody>
           </p:sp>
         </mc:Choice>
-        <mc:Fallback>
+        <mc:Fallback xmlns="">
           <p:sp>
             <p:nvSpPr>
               <p:cNvPr id="3" name="Rectangle 2">
@@ -9507,7 +10864,7 @@
 </p:sld>
 </file>
 
-<file path=ppt/slides/slide5.xml><?xml version="1.0" encoding="utf-8"?>
+<file path=ppt/slides/slide6.xml><?xml version="1.0" encoding="utf-8"?>
 <p:sld xmlns:a="http://schemas.openxmlformats.org/drawingml/2006/main" xmlns:r="http://schemas.openxmlformats.org/officeDocument/2006/relationships" xmlns:p="http://schemas.openxmlformats.org/presentationml/2006/main">
   <p:cSld>
     <p:spTree>
@@ -9553,8 +10910,8 @@
           </a:xfrm>
         </p:spPr>
       </p:pic>
-      <mc:AlternateContent xmlns:mc="http://schemas.openxmlformats.org/markup-compatibility/2006">
-        <mc:Choice xmlns:a14="http://schemas.microsoft.com/office/drawing/2010/main" Requires="a14">
+      <mc:AlternateContent xmlns:mc="http://schemas.openxmlformats.org/markup-compatibility/2006" xmlns:a14="http://schemas.microsoft.com/office/drawing/2010/main">
+        <mc:Choice Requires="a14">
           <p:sp>
             <p:nvSpPr>
               <p:cNvPr id="12" name="Rectangle 11">
@@ -9732,7 +11089,7 @@
             </p:txBody>
           </p:sp>
         </mc:Choice>
-        <mc:Fallback>
+        <mc:Fallback xmlns="">
           <p:sp>
             <p:nvSpPr>
               <p:cNvPr id="12" name="Rectangle 11">
@@ -9839,8 +11196,8 @@
           </a:p>
         </p:txBody>
       </p:sp>
-      <mc:AlternateContent xmlns:mc="http://schemas.openxmlformats.org/markup-compatibility/2006">
-        <mc:Choice xmlns:a14="http://schemas.microsoft.com/office/drawing/2010/main" Requires="a14">
+      <mc:AlternateContent xmlns:mc="http://schemas.openxmlformats.org/markup-compatibility/2006" xmlns:a14="http://schemas.microsoft.com/office/drawing/2010/main">
+        <mc:Choice Requires="a14">
           <p:sp>
             <p:nvSpPr>
               <p:cNvPr id="15" name="Rectangle 14">
@@ -9968,7 +11325,7 @@
             </p:txBody>
           </p:sp>
         </mc:Choice>
-        <mc:Fallback>
+        <mc:Fallback xmlns="">
           <p:sp>
             <p:nvSpPr>
               <p:cNvPr id="15" name="Rectangle 14">
@@ -10018,8 +11375,8 @@
           </p:sp>
         </mc:Fallback>
       </mc:AlternateContent>
-      <mc:AlternateContent xmlns:mc="http://schemas.openxmlformats.org/markup-compatibility/2006">
-        <mc:Choice xmlns:a14="http://schemas.microsoft.com/office/drawing/2010/main" Requires="a14">
+      <mc:AlternateContent xmlns:mc="http://schemas.openxmlformats.org/markup-compatibility/2006" xmlns:a14="http://schemas.microsoft.com/office/drawing/2010/main">
+        <mc:Choice Requires="a14">
           <p:sp>
             <p:nvSpPr>
               <p:cNvPr id="17" name="Rectangle 16">
@@ -10120,7 +11477,7 @@
             </p:txBody>
           </p:sp>
         </mc:Choice>
-        <mc:Fallback>
+        <mc:Fallback xmlns="">
           <p:sp>
             <p:nvSpPr>
               <p:cNvPr id="17" name="Rectangle 16">
@@ -10170,8 +11527,8 @@
           </p:sp>
         </mc:Fallback>
       </mc:AlternateContent>
-      <mc:AlternateContent xmlns:mc="http://schemas.openxmlformats.org/markup-compatibility/2006">
-        <mc:Choice xmlns:a14="http://schemas.microsoft.com/office/drawing/2010/main" Requires="a14">
+      <mc:AlternateContent xmlns:mc="http://schemas.openxmlformats.org/markup-compatibility/2006" xmlns:a14="http://schemas.microsoft.com/office/drawing/2010/main">
+        <mc:Choice Requires="a14">
           <p:sp>
             <p:nvSpPr>
               <p:cNvPr id="18" name="Rectangle 17">
@@ -10315,7 +11672,7 @@
             </p:txBody>
           </p:sp>
         </mc:Choice>
-        <mc:Fallback>
+        <mc:Fallback xmlns="">
           <p:sp>
             <p:nvSpPr>
               <p:cNvPr id="18" name="Rectangle 17">
@@ -10422,8 +11779,8 @@
           </a:p>
         </p:txBody>
       </p:sp>
-      <mc:AlternateContent xmlns:mc="http://schemas.openxmlformats.org/markup-compatibility/2006">
-        <mc:Choice xmlns:a14="http://schemas.microsoft.com/office/drawing/2010/main" Requires="a14">
+      <mc:AlternateContent xmlns:mc="http://schemas.openxmlformats.org/markup-compatibility/2006" xmlns:a14="http://schemas.microsoft.com/office/drawing/2010/main">
+        <mc:Choice Requires="a14">
           <p:sp>
             <p:nvSpPr>
               <p:cNvPr id="20" name="Rectangle 19">
@@ -10524,7 +11881,7 @@
             </p:txBody>
           </p:sp>
         </mc:Choice>
-        <mc:Fallback>
+        <mc:Fallback xmlns="">
           <p:sp>
             <p:nvSpPr>
               <p:cNvPr id="20" name="Rectangle 19">
@@ -10574,8 +11931,8 @@
           </p:sp>
         </mc:Fallback>
       </mc:AlternateContent>
-      <mc:AlternateContent xmlns:mc="http://schemas.openxmlformats.org/markup-compatibility/2006">
-        <mc:Choice xmlns:a14="http://schemas.microsoft.com/office/drawing/2010/main" Requires="a14">
+      <mc:AlternateContent xmlns:mc="http://schemas.openxmlformats.org/markup-compatibility/2006" xmlns:a14="http://schemas.microsoft.com/office/drawing/2010/main">
+        <mc:Choice Requires="a14">
           <p:sp>
             <p:nvSpPr>
               <p:cNvPr id="22" name="Rectangle 21">
@@ -10742,7 +12099,7 @@
             </p:txBody>
           </p:sp>
         </mc:Choice>
-        <mc:Fallback>
+        <mc:Fallback xmlns="">
           <p:sp>
             <p:nvSpPr>
               <p:cNvPr id="22" name="Rectangle 21">
@@ -10792,8 +12149,8 @@
           </p:sp>
         </mc:Fallback>
       </mc:AlternateContent>
-      <mc:AlternateContent xmlns:mc="http://schemas.openxmlformats.org/markup-compatibility/2006">
-        <mc:Choice xmlns:a14="http://schemas.microsoft.com/office/drawing/2010/main" Requires="a14">
+      <mc:AlternateContent xmlns:mc="http://schemas.openxmlformats.org/markup-compatibility/2006" xmlns:a14="http://schemas.microsoft.com/office/drawing/2010/main">
+        <mc:Choice Requires="a14">
           <p:sp>
             <p:nvSpPr>
               <p:cNvPr id="23" name="Rectangle 22">
@@ -10894,7 +12251,7 @@
             </p:txBody>
           </p:sp>
         </mc:Choice>
-        <mc:Fallback>
+        <mc:Fallback xmlns="">
           <p:sp>
             <p:nvSpPr>
               <p:cNvPr id="23" name="Rectangle 22">
@@ -11717,8 +13074,8 @@
           </a:fontRef>
         </p:style>
       </p:cxnSp>
-      <mc:AlternateContent xmlns:mc="http://schemas.openxmlformats.org/markup-compatibility/2006">
-        <mc:Choice xmlns:a14="http://schemas.microsoft.com/office/drawing/2010/main" Requires="a14">
+      <mc:AlternateContent xmlns:mc="http://schemas.openxmlformats.org/markup-compatibility/2006" xmlns:a14="http://schemas.microsoft.com/office/drawing/2010/main">
+        <mc:Choice Requires="a14">
           <p:sp>
             <p:nvSpPr>
               <p:cNvPr id="3" name="Rectangle 2">
@@ -11819,7 +13176,7 @@
             </p:txBody>
           </p:sp>
         </mc:Choice>
-        <mc:Fallback>
+        <mc:Fallback xmlns="">
           <p:sp>
             <p:nvSpPr>
               <p:cNvPr id="3" name="Rectangle 2">
@@ -12070,8 +13427,8 @@
           </a:fontRef>
         </p:style>
       </p:cxnSp>
-      <mc:AlternateContent xmlns:mc="http://schemas.openxmlformats.org/markup-compatibility/2006">
-        <mc:Choice xmlns:a14="http://schemas.microsoft.com/office/drawing/2010/main" Requires="a14">
+      <mc:AlternateContent xmlns:mc="http://schemas.openxmlformats.org/markup-compatibility/2006" xmlns:a14="http://schemas.microsoft.com/office/drawing/2010/main">
+        <mc:Choice Requires="a14">
           <p:sp>
             <p:nvSpPr>
               <p:cNvPr id="13" name="Rectangle 12">
@@ -12530,7 +13887,7 @@
             </p:txBody>
           </p:sp>
         </mc:Choice>
-        <mc:Fallback>
+        <mc:Fallback xmlns="">
           <p:sp>
             <p:nvSpPr>
               <p:cNvPr id="13" name="Rectangle 12">
@@ -12593,7 +13950,7 @@
 </p:sld>
 </file>
 
-<file path=ppt/slides/slide6.xml><?xml version="1.0" encoding="utf-8"?>
+<file path=ppt/slides/slide7.xml><?xml version="1.0" encoding="utf-8"?>
 <p:sld xmlns:a="http://schemas.openxmlformats.org/drawingml/2006/main" xmlns:r="http://schemas.openxmlformats.org/officeDocument/2006/relationships" xmlns:p="http://schemas.openxmlformats.org/presentationml/2006/main">
   <p:cSld>
     <p:spTree>
@@ -12639,8 +13996,8 @@
           </a:xfrm>
         </p:spPr>
       </p:pic>
-      <mc:AlternateContent xmlns:mc="http://schemas.openxmlformats.org/markup-compatibility/2006">
-        <mc:Choice xmlns:a14="http://schemas.microsoft.com/office/drawing/2010/main" Requires="a14">
+      <mc:AlternateContent xmlns:mc="http://schemas.openxmlformats.org/markup-compatibility/2006" xmlns:a14="http://schemas.microsoft.com/office/drawing/2010/main">
+        <mc:Choice Requires="a14">
           <p:sp>
             <p:nvSpPr>
               <p:cNvPr id="17" name="Rectangle 16">
@@ -12741,7 +14098,7 @@
             </p:txBody>
           </p:sp>
         </mc:Choice>
-        <mc:Fallback>
+        <mc:Fallback xmlns="">
           <p:sp>
             <p:nvSpPr>
               <p:cNvPr id="17" name="Rectangle 16">
@@ -12791,8 +14148,8 @@
           </p:sp>
         </mc:Fallback>
       </mc:AlternateContent>
-      <mc:AlternateContent xmlns:mc="http://schemas.openxmlformats.org/markup-compatibility/2006">
-        <mc:Choice xmlns:a14="http://schemas.microsoft.com/office/drawing/2010/main" Requires="a14">
+      <mc:AlternateContent xmlns:mc="http://schemas.openxmlformats.org/markup-compatibility/2006" xmlns:a14="http://schemas.microsoft.com/office/drawing/2010/main">
+        <mc:Choice Requires="a14">
           <p:sp>
             <p:nvSpPr>
               <p:cNvPr id="18" name="Rectangle 17">
@@ -12936,7 +14293,7 @@
             </p:txBody>
           </p:sp>
         </mc:Choice>
-        <mc:Fallback>
+        <mc:Fallback xmlns="">
           <p:sp>
             <p:nvSpPr>
               <p:cNvPr id="18" name="Rectangle 17">
@@ -13043,8 +14400,8 @@
           </a:p>
         </p:txBody>
       </p:sp>
-      <mc:AlternateContent xmlns:mc="http://schemas.openxmlformats.org/markup-compatibility/2006">
-        <mc:Choice xmlns:a14="http://schemas.microsoft.com/office/drawing/2010/main" Requires="a14">
+      <mc:AlternateContent xmlns:mc="http://schemas.openxmlformats.org/markup-compatibility/2006" xmlns:a14="http://schemas.microsoft.com/office/drawing/2010/main">
+        <mc:Choice Requires="a14">
           <p:sp>
             <p:nvSpPr>
               <p:cNvPr id="20" name="Rectangle 19">
@@ -13145,7 +14502,7 @@
             </p:txBody>
           </p:sp>
         </mc:Choice>
-        <mc:Fallback>
+        <mc:Fallback xmlns="">
           <p:sp>
             <p:nvSpPr>
               <p:cNvPr id="20" name="Rectangle 19">
@@ -13195,8 +14552,8 @@
           </p:sp>
         </mc:Fallback>
       </mc:AlternateContent>
-      <mc:AlternateContent xmlns:mc="http://schemas.openxmlformats.org/markup-compatibility/2006">
-        <mc:Choice xmlns:a14="http://schemas.microsoft.com/office/drawing/2010/main" Requires="a14">
+      <mc:AlternateContent xmlns:mc="http://schemas.openxmlformats.org/markup-compatibility/2006" xmlns:a14="http://schemas.microsoft.com/office/drawing/2010/main">
+        <mc:Choice Requires="a14">
           <p:sp>
             <p:nvSpPr>
               <p:cNvPr id="22" name="Rectangle 21">
@@ -13363,7 +14720,7 @@
             </p:txBody>
           </p:sp>
         </mc:Choice>
-        <mc:Fallback>
+        <mc:Fallback xmlns="">
           <p:sp>
             <p:nvSpPr>
               <p:cNvPr id="22" name="Rectangle 21">
@@ -13894,8 +15251,8 @@
           </a:fontRef>
         </p:style>
       </p:cxnSp>
-      <mc:AlternateContent xmlns:mc="http://schemas.openxmlformats.org/markup-compatibility/2006">
-        <mc:Choice xmlns:a14="http://schemas.microsoft.com/office/drawing/2010/main" Requires="a14">
+      <mc:AlternateContent xmlns:mc="http://schemas.openxmlformats.org/markup-compatibility/2006" xmlns:a14="http://schemas.microsoft.com/office/drawing/2010/main">
+        <mc:Choice Requires="a14">
           <p:sp>
             <p:nvSpPr>
               <p:cNvPr id="3" name="Rectangle 2">
@@ -13996,7 +15353,7 @@
             </p:txBody>
           </p:sp>
         </mc:Choice>
-        <mc:Fallback>
+        <mc:Fallback xmlns="">
           <p:sp>
             <p:nvSpPr>
               <p:cNvPr id="3" name="Rectangle 2">
@@ -14247,8 +15604,8 @@
           </a:fontRef>
         </p:style>
       </p:cxnSp>
-      <mc:AlternateContent xmlns:mc="http://schemas.openxmlformats.org/markup-compatibility/2006">
-        <mc:Choice xmlns:a14="http://schemas.microsoft.com/office/drawing/2010/main" Requires="a14">
+      <mc:AlternateContent xmlns:mc="http://schemas.openxmlformats.org/markup-compatibility/2006" xmlns:a14="http://schemas.microsoft.com/office/drawing/2010/main">
+        <mc:Choice Requires="a14">
           <p:sp>
             <p:nvSpPr>
               <p:cNvPr id="13" name="Rectangle 12">
@@ -14593,7 +15950,7 @@
             </p:txBody>
           </p:sp>
         </mc:Choice>
-        <mc:Fallback>
+        <mc:Fallback xmlns="">
           <p:sp>
             <p:nvSpPr>
               <p:cNvPr id="13" name="Rectangle 12">
@@ -14656,7 +16013,7 @@
 </p:sld>
 </file>
 
-<file path=ppt/slides/slide7.xml><?xml version="1.0" encoding="utf-8"?>
+<file path=ppt/slides/slide8.xml><?xml version="1.0" encoding="utf-8"?>
 <p:sld xmlns:a="http://schemas.openxmlformats.org/drawingml/2006/main" xmlns:r="http://schemas.openxmlformats.org/officeDocument/2006/relationships" xmlns:p="http://schemas.openxmlformats.org/presentationml/2006/main">
   <p:cSld>
     <p:spTree>
@@ -14702,8 +16059,8 @@
           </a:xfrm>
         </p:spPr>
       </p:pic>
-      <mc:AlternateContent xmlns:mc="http://schemas.openxmlformats.org/markup-compatibility/2006">
-        <mc:Choice xmlns:a14="http://schemas.microsoft.com/office/drawing/2010/main" Requires="a14">
+      <mc:AlternateContent xmlns:mc="http://schemas.openxmlformats.org/markup-compatibility/2006" xmlns:a14="http://schemas.microsoft.com/office/drawing/2010/main">
+        <mc:Choice Requires="a14">
           <p:sp>
             <p:nvSpPr>
               <p:cNvPr id="17" name="Rectangle 16">
@@ -14804,7 +16161,7 @@
             </p:txBody>
           </p:sp>
         </mc:Choice>
-        <mc:Fallback>
+        <mc:Fallback xmlns="">
           <p:sp>
             <p:nvSpPr>
               <p:cNvPr id="17" name="Rectangle 16">
@@ -14854,8 +16211,8 @@
           </p:sp>
         </mc:Fallback>
       </mc:AlternateContent>
-      <mc:AlternateContent xmlns:mc="http://schemas.openxmlformats.org/markup-compatibility/2006">
-        <mc:Choice xmlns:a14="http://schemas.microsoft.com/office/drawing/2010/main" Requires="a14">
+      <mc:AlternateContent xmlns:mc="http://schemas.openxmlformats.org/markup-compatibility/2006" xmlns:a14="http://schemas.microsoft.com/office/drawing/2010/main">
+        <mc:Choice Requires="a14">
           <p:sp>
             <p:nvSpPr>
               <p:cNvPr id="18" name="Rectangle 17">
@@ -14999,7 +16356,7 @@
             </p:txBody>
           </p:sp>
         </mc:Choice>
-        <mc:Fallback>
+        <mc:Fallback xmlns="">
           <p:sp>
             <p:nvSpPr>
               <p:cNvPr id="18" name="Rectangle 17">
@@ -15049,8 +16406,8 @@
           </p:sp>
         </mc:Fallback>
       </mc:AlternateContent>
-      <mc:AlternateContent xmlns:mc="http://schemas.openxmlformats.org/markup-compatibility/2006">
-        <mc:Choice xmlns:a14="http://schemas.microsoft.com/office/drawing/2010/main" Requires="a14">
+      <mc:AlternateContent xmlns:mc="http://schemas.openxmlformats.org/markup-compatibility/2006" xmlns:a14="http://schemas.microsoft.com/office/drawing/2010/main">
+        <mc:Choice Requires="a14">
           <p:sp>
             <p:nvSpPr>
               <p:cNvPr id="20" name="Rectangle 19">
@@ -15151,7 +16508,7 @@
             </p:txBody>
           </p:sp>
         </mc:Choice>
-        <mc:Fallback>
+        <mc:Fallback xmlns="">
           <p:sp>
             <p:nvSpPr>
               <p:cNvPr id="20" name="Rectangle 19">
@@ -15201,8 +16558,8 @@
           </p:sp>
         </mc:Fallback>
       </mc:AlternateContent>
-      <mc:AlternateContent xmlns:mc="http://schemas.openxmlformats.org/markup-compatibility/2006">
-        <mc:Choice xmlns:a14="http://schemas.microsoft.com/office/drawing/2010/main" Requires="a14">
+      <mc:AlternateContent xmlns:mc="http://schemas.openxmlformats.org/markup-compatibility/2006" xmlns:a14="http://schemas.microsoft.com/office/drawing/2010/main">
+        <mc:Choice Requires="a14">
           <p:sp>
             <p:nvSpPr>
               <p:cNvPr id="22" name="Rectangle 21">
@@ -15369,7 +16726,7 @@
             </p:txBody>
           </p:sp>
         </mc:Choice>
-        <mc:Fallback>
+        <mc:Fallback xmlns="">
           <p:sp>
             <p:nvSpPr>
               <p:cNvPr id="22" name="Rectangle 21">
@@ -15755,8 +17112,8 @@
           </a:fontRef>
         </p:style>
       </p:cxnSp>
-      <mc:AlternateContent xmlns:mc="http://schemas.openxmlformats.org/markup-compatibility/2006">
-        <mc:Choice xmlns:a14="http://schemas.microsoft.com/office/drawing/2010/main" Requires="a14">
+      <mc:AlternateContent xmlns:mc="http://schemas.openxmlformats.org/markup-compatibility/2006" xmlns:a14="http://schemas.microsoft.com/office/drawing/2010/main">
+        <mc:Choice Requires="a14">
           <p:sp>
             <p:nvSpPr>
               <p:cNvPr id="3" name="Rectangle 2">
@@ -15857,7 +17214,7 @@
             </p:txBody>
           </p:sp>
         </mc:Choice>
-        <mc:Fallback>
+        <mc:Fallback xmlns="">
           <p:sp>
             <p:nvSpPr>
               <p:cNvPr id="3" name="Rectangle 2">
@@ -16107,8 +17464,8 @@
           </a:fontRef>
         </p:style>
       </p:cxnSp>
-      <mc:AlternateContent xmlns:mc="http://schemas.openxmlformats.org/markup-compatibility/2006">
-        <mc:Choice xmlns:a14="http://schemas.microsoft.com/office/drawing/2010/main" Requires="a14">
+      <mc:AlternateContent xmlns:mc="http://schemas.openxmlformats.org/markup-compatibility/2006" xmlns:a14="http://schemas.microsoft.com/office/drawing/2010/main">
+        <mc:Choice Requires="a14">
           <p:sp>
             <p:nvSpPr>
               <p:cNvPr id="13" name="Rectangle 12">
@@ -16453,7 +17810,7 @@
             </p:txBody>
           </p:sp>
         </mc:Choice>
-        <mc:Fallback>
+        <mc:Fallback xmlns="">
           <p:sp>
             <p:nvSpPr>
               <p:cNvPr id="13" name="Rectangle 12">
@@ -16503,8 +17860,8 @@
           </p:sp>
         </mc:Fallback>
       </mc:AlternateContent>
-      <mc:AlternateContent xmlns:mc="http://schemas.openxmlformats.org/markup-compatibility/2006">
-        <mc:Choice xmlns:a14="http://schemas.microsoft.com/office/drawing/2010/main" Requires="a14">
+      <mc:AlternateContent xmlns:mc="http://schemas.openxmlformats.org/markup-compatibility/2006" xmlns:a14="http://schemas.microsoft.com/office/drawing/2010/main">
+        <mc:Choice Requires="a14">
           <p:sp>
             <p:nvSpPr>
               <p:cNvPr id="2" name="Rectangle 1">
@@ -16872,7 +18229,7 @@
             </p:txBody>
           </p:sp>
         </mc:Choice>
-        <mc:Fallback>
+        <mc:Fallback xmlns="">
           <p:sp>
             <p:nvSpPr>
               <p:cNvPr id="2" name="Rectangle 1">
@@ -17185,7 +18542,7 @@
 </p:sld>
 </file>
 
-<file path=ppt/slides/slide8.xml><?xml version="1.0" encoding="utf-8"?>
+<file path=ppt/slides/slide9.xml><?xml version="1.0" encoding="utf-8"?>
 <p:sld xmlns:a="http://schemas.openxmlformats.org/drawingml/2006/main" xmlns:r="http://schemas.openxmlformats.org/officeDocument/2006/relationships" xmlns:p="http://schemas.openxmlformats.org/presentationml/2006/main">
   <p:cSld>
     <p:spTree>
@@ -17231,8 +18588,8 @@
           </a:xfrm>
         </p:spPr>
       </p:pic>
-      <mc:AlternateContent xmlns:mc="http://schemas.openxmlformats.org/markup-compatibility/2006">
-        <mc:Choice xmlns:a14="http://schemas.microsoft.com/office/drawing/2010/main" Requires="a14">
+      <mc:AlternateContent xmlns:mc="http://schemas.openxmlformats.org/markup-compatibility/2006" xmlns:a14="http://schemas.microsoft.com/office/drawing/2010/main">
+        <mc:Choice Requires="a14">
           <p:sp>
             <p:nvSpPr>
               <p:cNvPr id="17" name="Rectangle 16">
@@ -17333,7 +18690,7 @@
             </p:txBody>
           </p:sp>
         </mc:Choice>
-        <mc:Fallback>
+        <mc:Fallback xmlns="">
           <p:sp>
             <p:nvSpPr>
               <p:cNvPr id="17" name="Rectangle 16">
@@ -17383,8 +18740,8 @@
           </p:sp>
         </mc:Fallback>
       </mc:AlternateContent>
-      <mc:AlternateContent xmlns:mc="http://schemas.openxmlformats.org/markup-compatibility/2006">
-        <mc:Choice xmlns:a14="http://schemas.microsoft.com/office/drawing/2010/main" Requires="a14">
+      <mc:AlternateContent xmlns:mc="http://schemas.openxmlformats.org/markup-compatibility/2006" xmlns:a14="http://schemas.microsoft.com/office/drawing/2010/main">
+        <mc:Choice Requires="a14">
           <p:sp>
             <p:nvSpPr>
               <p:cNvPr id="18" name="Rectangle 17">
@@ -17528,7 +18885,7 @@
             </p:txBody>
           </p:sp>
         </mc:Choice>
-        <mc:Fallback>
+        <mc:Fallback xmlns="">
           <p:sp>
             <p:nvSpPr>
               <p:cNvPr id="18" name="Rectangle 17">
@@ -17578,8 +18935,8 @@
           </p:sp>
         </mc:Fallback>
       </mc:AlternateContent>
-      <mc:AlternateContent xmlns:mc="http://schemas.openxmlformats.org/markup-compatibility/2006">
-        <mc:Choice xmlns:a14="http://schemas.microsoft.com/office/drawing/2010/main" Requires="a14">
+      <mc:AlternateContent xmlns:mc="http://schemas.openxmlformats.org/markup-compatibility/2006" xmlns:a14="http://schemas.microsoft.com/office/drawing/2010/main">
+        <mc:Choice Requires="a14">
           <p:sp>
             <p:nvSpPr>
               <p:cNvPr id="20" name="Rectangle 19">
@@ -17680,7 +19037,7 @@
             </p:txBody>
           </p:sp>
         </mc:Choice>
-        <mc:Fallback>
+        <mc:Fallback xmlns="">
           <p:sp>
             <p:nvSpPr>
               <p:cNvPr id="20" name="Rectangle 19">
@@ -17730,8 +19087,8 @@
           </p:sp>
         </mc:Fallback>
       </mc:AlternateContent>
-      <mc:AlternateContent xmlns:mc="http://schemas.openxmlformats.org/markup-compatibility/2006">
-        <mc:Choice xmlns:a14="http://schemas.microsoft.com/office/drawing/2010/main" Requires="a14">
+      <mc:AlternateContent xmlns:mc="http://schemas.openxmlformats.org/markup-compatibility/2006" xmlns:a14="http://schemas.microsoft.com/office/drawing/2010/main">
+        <mc:Choice Requires="a14">
           <p:sp>
             <p:nvSpPr>
               <p:cNvPr id="22" name="Rectangle 21">
@@ -17898,7 +19255,7 @@
             </p:txBody>
           </p:sp>
         </mc:Choice>
-        <mc:Fallback>
+        <mc:Fallback xmlns="">
           <p:sp>
             <p:nvSpPr>
               <p:cNvPr id="22" name="Rectangle 21">
@@ -18284,8 +19641,8 @@
           </a:fontRef>
         </p:style>
       </p:cxnSp>
-      <mc:AlternateContent xmlns:mc="http://schemas.openxmlformats.org/markup-compatibility/2006">
-        <mc:Choice xmlns:a14="http://schemas.microsoft.com/office/drawing/2010/main" Requires="a14">
+      <mc:AlternateContent xmlns:mc="http://schemas.openxmlformats.org/markup-compatibility/2006" xmlns:a14="http://schemas.microsoft.com/office/drawing/2010/main">
+        <mc:Choice Requires="a14">
           <p:sp>
             <p:nvSpPr>
               <p:cNvPr id="3" name="Rectangle 2">
@@ -18386,7 +19743,7 @@
             </p:txBody>
           </p:sp>
         </mc:Choice>
-        <mc:Fallback>
+        <mc:Fallback xmlns="">
           <p:sp>
             <p:nvSpPr>
               <p:cNvPr id="3" name="Rectangle 2">
@@ -18636,8 +19993,8 @@
           </a:fontRef>
         </p:style>
       </p:cxnSp>
-      <mc:AlternateContent xmlns:mc="http://schemas.openxmlformats.org/markup-compatibility/2006">
-        <mc:Choice xmlns:a14="http://schemas.microsoft.com/office/drawing/2010/main" Requires="a14">
+      <mc:AlternateContent xmlns:mc="http://schemas.openxmlformats.org/markup-compatibility/2006" xmlns:a14="http://schemas.microsoft.com/office/drawing/2010/main">
+        <mc:Choice Requires="a14">
           <p:sp>
             <p:nvSpPr>
               <p:cNvPr id="13" name="Rectangle 12">
@@ -18982,7 +20339,7 @@
             </p:txBody>
           </p:sp>
         </mc:Choice>
-        <mc:Fallback>
+        <mc:Fallback xmlns="">
           <p:sp>
             <p:nvSpPr>
               <p:cNvPr id="13" name="Rectangle 12">
@@ -19032,8 +20389,8 @@
           </p:sp>
         </mc:Fallback>
       </mc:AlternateContent>
-      <mc:AlternateContent xmlns:mc="http://schemas.openxmlformats.org/markup-compatibility/2006">
-        <mc:Choice xmlns:a14="http://schemas.microsoft.com/office/drawing/2010/main" Requires="a14">
+      <mc:AlternateContent xmlns:mc="http://schemas.openxmlformats.org/markup-compatibility/2006" xmlns:a14="http://schemas.microsoft.com/office/drawing/2010/main">
+        <mc:Choice Requires="a14">
           <p:sp>
             <p:nvSpPr>
               <p:cNvPr id="2" name="Rectangle 1">
@@ -19401,7 +20758,7 @@
             </p:txBody>
           </p:sp>
         </mc:Choice>
-        <mc:Fallback>
+        <mc:Fallback xmlns="">
           <p:sp>
             <p:nvSpPr>
               <p:cNvPr id="2" name="Rectangle 1">
@@ -19705,795 +21062,6 @@
     <p:extLst>
       <p:ext uri="{BB962C8B-B14F-4D97-AF65-F5344CB8AC3E}">
         <p14:creationId xmlns:p14="http://schemas.microsoft.com/office/powerpoint/2010/main" val="412823869"/>
-      </p:ext>
-    </p:extLst>
-  </p:cSld>
-  <p:clrMapOvr>
-    <a:masterClrMapping/>
-  </p:clrMapOvr>
-</p:sld>
-</file>
-
-<file path=ppt/slides/slide9.xml><?xml version="1.0" encoding="utf-8"?>
-<p:sld xmlns:a="http://schemas.openxmlformats.org/drawingml/2006/main" xmlns:r="http://schemas.openxmlformats.org/officeDocument/2006/relationships" xmlns:p="http://schemas.openxmlformats.org/presentationml/2006/main">
-  <p:cSld>
-    <p:spTree>
-      <p:nvGrpSpPr>
-        <p:cNvPr id="1" name=""/>
-        <p:cNvGrpSpPr/>
-        <p:nvPr/>
-      </p:nvGrpSpPr>
-      <p:grpSpPr>
-        <a:xfrm>
-          <a:off x="0" y="0"/>
-          <a:ext cx="0" cy="0"/>
-          <a:chOff x="0" y="0"/>
-          <a:chExt cx="0" cy="0"/>
-        </a:xfrm>
-      </p:grpSpPr>
-      <p:sp>
-        <p:nvSpPr>
-          <p:cNvPr id="2" name="Titre 1">
-            <a:extLst>
-              <a:ext uri="{FF2B5EF4-FFF2-40B4-BE49-F238E27FC236}">
-                <a16:creationId xmlns:a16="http://schemas.microsoft.com/office/drawing/2014/main" id="{CC473BC4-6785-02B1-DE7A-8C8AF0FF2492}"/>
-              </a:ext>
-            </a:extLst>
-          </p:cNvPr>
-          <p:cNvSpPr>
-            <a:spLocks noGrp="1"/>
-          </p:cNvSpPr>
-          <p:nvPr>
-            <p:ph type="title"/>
-          </p:nvPr>
-        </p:nvSpPr>
-        <p:spPr/>
-        <p:txBody>
-          <a:bodyPr/>
-          <a:lstStyle/>
-          <a:p>
-            <a:endParaRPr lang="fr-FR"/>
-          </a:p>
-        </p:txBody>
-      </p:sp>
-      <p:pic>
-        <p:nvPicPr>
-          <p:cNvPr id="5" name="Espace réservé du contenu 4">
-            <a:extLst>
-              <a:ext uri="{FF2B5EF4-FFF2-40B4-BE49-F238E27FC236}">
-                <a16:creationId xmlns:a16="http://schemas.microsoft.com/office/drawing/2014/main" id="{725F8270-818E-F3B2-1C52-0F0548BBD93F}"/>
-              </a:ext>
-            </a:extLst>
-          </p:cNvPr>
-          <p:cNvPicPr>
-            <a:picLocks noGrp="1" noChangeAspect="1"/>
-          </p:cNvPicPr>
-          <p:nvPr>
-            <p:ph idx="1"/>
-          </p:nvPr>
-        </p:nvPicPr>
-        <p:blipFill>
-          <a:blip r:embed="rId2"/>
-          <a:stretch>
-            <a:fillRect/>
-          </a:stretch>
-        </p:blipFill>
-        <p:spPr>
-          <a:xfrm>
-            <a:off x="346509" y="2350400"/>
-            <a:ext cx="11498982" cy="3301788"/>
-          </a:xfrm>
-        </p:spPr>
-      </p:pic>
-      <mc:AlternateContent xmlns:mc="http://schemas.openxmlformats.org/markup-compatibility/2006">
-        <mc:Choice xmlns:p14="http://schemas.microsoft.com/office/powerpoint/2010/main" Requires="p14">
-          <p:contentPart p14:bwMode="auto" r:id="rId3">
-            <p14:nvContentPartPr>
-              <p14:cNvPr id="8" name="Encre 7">
-                <a:extLst>
-                  <a:ext uri="{FF2B5EF4-FFF2-40B4-BE49-F238E27FC236}">
-                    <a16:creationId xmlns:a16="http://schemas.microsoft.com/office/drawing/2014/main" id="{F9FD913A-0CEF-D6F9-DA11-E98E08D3295D}"/>
-                  </a:ext>
-                </a:extLst>
-              </p14:cNvPr>
-              <p14:cNvContentPartPr/>
-              <p14:nvPr/>
-            </p14:nvContentPartPr>
-            <p14:xfrm>
-              <a:off x="5505518" y="4234718"/>
-              <a:ext cx="360" cy="360"/>
-            </p14:xfrm>
-          </p:contentPart>
-        </mc:Choice>
-        <mc:Fallback>
-          <p:pic>
-            <p:nvPicPr>
-              <p:cNvPr id="8" name="Encre 7">
-                <a:extLst>
-                  <a:ext uri="{FF2B5EF4-FFF2-40B4-BE49-F238E27FC236}">
-                    <a16:creationId xmlns:a16="http://schemas.microsoft.com/office/drawing/2014/main" id="{F9FD913A-0CEF-D6F9-DA11-E98E08D3295D}"/>
-                  </a:ext>
-                </a:extLst>
-              </p:cNvPr>
-              <p:cNvPicPr/>
-              <p:nvPr/>
-            </p:nvPicPr>
-            <p:blipFill>
-              <a:blip r:embed="rId4"/>
-              <a:stretch>
-                <a:fillRect/>
-              </a:stretch>
-            </p:blipFill>
-            <p:spPr>
-              <a:xfrm>
-                <a:off x="5496518" y="4225718"/>
-                <a:ext cx="18000" cy="18000"/>
-              </a:xfrm>
-              <a:prstGeom prst="rect">
-                <a:avLst/>
-              </a:prstGeom>
-            </p:spPr>
-          </p:pic>
-        </mc:Fallback>
-      </mc:AlternateContent>
-      <p:grpSp>
-        <p:nvGrpSpPr>
-          <p:cNvPr id="21" name="Groupe 20">
-            <a:extLst>
-              <a:ext uri="{FF2B5EF4-FFF2-40B4-BE49-F238E27FC236}">
-                <a16:creationId xmlns:a16="http://schemas.microsoft.com/office/drawing/2014/main" id="{B06CB631-4C15-B134-3BCD-AB12873FAFE3}"/>
-              </a:ext>
-            </a:extLst>
-          </p:cNvPr>
-          <p:cNvGrpSpPr/>
-          <p:nvPr/>
-        </p:nvGrpSpPr>
-        <p:grpSpPr>
-          <a:xfrm>
-            <a:off x="5733758" y="4927358"/>
-            <a:ext cx="649800" cy="657000"/>
-            <a:chOff x="5733758" y="4927358"/>
-            <a:chExt cx="649800" cy="657000"/>
-          </a:xfrm>
-        </p:grpSpPr>
-        <mc:AlternateContent xmlns:mc="http://schemas.openxmlformats.org/markup-compatibility/2006">
-          <mc:Choice xmlns:p14="http://schemas.microsoft.com/office/powerpoint/2010/main" Requires="p14">
-            <p:contentPart p14:bwMode="auto" r:id="rId5">
-              <p14:nvContentPartPr>
-                <p14:cNvPr id="9" name="Encre 8">
-                  <a:extLst>
-                    <a:ext uri="{FF2B5EF4-FFF2-40B4-BE49-F238E27FC236}">
-                      <a16:creationId xmlns:a16="http://schemas.microsoft.com/office/drawing/2014/main" id="{8DCA97ED-3815-2254-3EC2-324908B80F65}"/>
-                    </a:ext>
-                  </a:extLst>
-                </p14:cNvPr>
-                <p14:cNvContentPartPr/>
-                <p14:nvPr/>
-              </p14:nvContentPartPr>
-              <p14:xfrm>
-                <a:off x="5733758" y="4927358"/>
-                <a:ext cx="649800" cy="657000"/>
-              </p14:xfrm>
-            </p:contentPart>
-          </mc:Choice>
-          <mc:Fallback>
-            <p:pic>
-              <p:nvPicPr>
-                <p:cNvPr id="9" name="Encre 8">
-                  <a:extLst>
-                    <a:ext uri="{FF2B5EF4-FFF2-40B4-BE49-F238E27FC236}">
-                      <a16:creationId xmlns:a16="http://schemas.microsoft.com/office/drawing/2014/main" id="{8DCA97ED-3815-2254-3EC2-324908B80F65}"/>
-                    </a:ext>
-                  </a:extLst>
-                </p:cNvPr>
-                <p:cNvPicPr/>
-                <p:nvPr/>
-              </p:nvPicPr>
-              <p:blipFill>
-                <a:blip r:embed="rId6"/>
-                <a:stretch>
-                  <a:fillRect/>
-                </a:stretch>
-              </p:blipFill>
-              <p:spPr>
-                <a:xfrm>
-                  <a:off x="5724758" y="4918718"/>
-                  <a:ext cx="667440" cy="674640"/>
-                </a:xfrm>
-                <a:prstGeom prst="rect">
-                  <a:avLst/>
-                </a:prstGeom>
-              </p:spPr>
-            </p:pic>
-          </mc:Fallback>
-        </mc:AlternateContent>
-        <mc:AlternateContent xmlns:mc="http://schemas.openxmlformats.org/markup-compatibility/2006">
-          <mc:Choice xmlns:p14="http://schemas.microsoft.com/office/powerpoint/2010/main" Requires="p14">
-            <p:contentPart p14:bwMode="auto" r:id="rId7">
-              <p14:nvContentPartPr>
-                <p14:cNvPr id="10" name="Encre 9">
-                  <a:extLst>
-                    <a:ext uri="{FF2B5EF4-FFF2-40B4-BE49-F238E27FC236}">
-                      <a16:creationId xmlns:a16="http://schemas.microsoft.com/office/drawing/2014/main" id="{31AC051D-A5C8-3BB0-6C0C-9A0535FF7E62}"/>
-                    </a:ext>
-                  </a:extLst>
-                </p14:cNvPr>
-                <p14:cNvContentPartPr/>
-                <p14:nvPr/>
-              </p14:nvContentPartPr>
-              <p14:xfrm>
-                <a:off x="6015638" y="5072438"/>
-                <a:ext cx="360" cy="2160"/>
-              </p14:xfrm>
-            </p:contentPart>
-          </mc:Choice>
-          <mc:Fallback>
-            <p:pic>
-              <p:nvPicPr>
-                <p:cNvPr id="10" name="Encre 9">
-                  <a:extLst>
-                    <a:ext uri="{FF2B5EF4-FFF2-40B4-BE49-F238E27FC236}">
-                      <a16:creationId xmlns:a16="http://schemas.microsoft.com/office/drawing/2014/main" id="{31AC051D-A5C8-3BB0-6C0C-9A0535FF7E62}"/>
-                    </a:ext>
-                  </a:extLst>
-                </p:cNvPr>
-                <p:cNvPicPr/>
-                <p:nvPr/>
-              </p:nvPicPr>
-              <p:blipFill>
-                <a:blip r:embed="rId8"/>
-                <a:stretch>
-                  <a:fillRect/>
-                </a:stretch>
-              </p:blipFill>
-              <p:spPr>
-                <a:xfrm>
-                  <a:off x="6006998" y="5063438"/>
-                  <a:ext cx="18000" cy="19800"/>
-                </a:xfrm>
-                <a:prstGeom prst="rect">
-                  <a:avLst/>
-                </a:prstGeom>
-              </p:spPr>
-            </p:pic>
-          </mc:Fallback>
-        </mc:AlternateContent>
-        <mc:AlternateContent xmlns:mc="http://schemas.openxmlformats.org/markup-compatibility/2006">
-          <mc:Choice xmlns:p14="http://schemas.microsoft.com/office/powerpoint/2010/main" Requires="p14">
-            <p:contentPart p14:bwMode="auto" r:id="rId9">
-              <p14:nvContentPartPr>
-                <p14:cNvPr id="12" name="Encre 11">
-                  <a:extLst>
-                    <a:ext uri="{FF2B5EF4-FFF2-40B4-BE49-F238E27FC236}">
-                      <a16:creationId xmlns:a16="http://schemas.microsoft.com/office/drawing/2014/main" id="{FF8BDDA9-EE01-E7C1-2179-0469A867B2AC}"/>
-                    </a:ext>
-                  </a:extLst>
-                </p14:cNvPr>
-                <p14:cNvContentPartPr/>
-                <p14:nvPr/>
-              </p14:nvContentPartPr>
-              <p14:xfrm>
-                <a:off x="6015638" y="5082158"/>
-                <a:ext cx="360" cy="75600"/>
-              </p14:xfrm>
-            </p:contentPart>
-          </mc:Choice>
-          <mc:Fallback>
-            <p:pic>
-              <p:nvPicPr>
-                <p:cNvPr id="12" name="Encre 11">
-                  <a:extLst>
-                    <a:ext uri="{FF2B5EF4-FFF2-40B4-BE49-F238E27FC236}">
-                      <a16:creationId xmlns:a16="http://schemas.microsoft.com/office/drawing/2014/main" id="{FF8BDDA9-EE01-E7C1-2179-0469A867B2AC}"/>
-                    </a:ext>
-                  </a:extLst>
-                </p:cNvPr>
-                <p:cNvPicPr/>
-                <p:nvPr/>
-              </p:nvPicPr>
-              <p:blipFill>
-                <a:blip r:embed="rId10"/>
-                <a:stretch>
-                  <a:fillRect/>
-                </a:stretch>
-              </p:blipFill>
-              <p:spPr>
-                <a:xfrm>
-                  <a:off x="6006998" y="5073158"/>
-                  <a:ext cx="18000" cy="93240"/>
-                </a:xfrm>
-                <a:prstGeom prst="rect">
-                  <a:avLst/>
-                </a:prstGeom>
-              </p:spPr>
-            </p:pic>
-          </mc:Fallback>
-        </mc:AlternateContent>
-        <mc:AlternateContent xmlns:mc="http://schemas.openxmlformats.org/markup-compatibility/2006">
-          <mc:Choice xmlns:p14="http://schemas.microsoft.com/office/powerpoint/2010/main" Requires="p14">
-            <p:contentPart p14:bwMode="auto" r:id="rId11">
-              <p14:nvContentPartPr>
-                <p14:cNvPr id="13" name="Encre 12">
-                  <a:extLst>
-                    <a:ext uri="{FF2B5EF4-FFF2-40B4-BE49-F238E27FC236}">
-                      <a16:creationId xmlns:a16="http://schemas.microsoft.com/office/drawing/2014/main" id="{A3A797AB-32DA-0B54-2B2A-E037C5559B32}"/>
-                    </a:ext>
-                  </a:extLst>
-                </p14:cNvPr>
-                <p14:cNvContentPartPr/>
-                <p14:nvPr/>
-              </p14:nvContentPartPr>
-              <p14:xfrm>
-                <a:off x="6015638" y="5312918"/>
-                <a:ext cx="212760" cy="173160"/>
-              </p14:xfrm>
-            </p:contentPart>
-          </mc:Choice>
-          <mc:Fallback>
-            <p:pic>
-              <p:nvPicPr>
-                <p:cNvPr id="13" name="Encre 12">
-                  <a:extLst>
-                    <a:ext uri="{FF2B5EF4-FFF2-40B4-BE49-F238E27FC236}">
-                      <a16:creationId xmlns:a16="http://schemas.microsoft.com/office/drawing/2014/main" id="{A3A797AB-32DA-0B54-2B2A-E037C5559B32}"/>
-                    </a:ext>
-                  </a:extLst>
-                </p:cNvPr>
-                <p:cNvPicPr/>
-                <p:nvPr/>
-              </p:nvPicPr>
-              <p:blipFill>
-                <a:blip r:embed="rId12"/>
-                <a:stretch>
-                  <a:fillRect/>
-                </a:stretch>
-              </p:blipFill>
-              <p:spPr>
-                <a:xfrm>
-                  <a:off x="6006638" y="5304278"/>
-                  <a:ext cx="230400" cy="190800"/>
-                </a:xfrm>
-                <a:prstGeom prst="rect">
-                  <a:avLst/>
-                </a:prstGeom>
-              </p:spPr>
-            </p:pic>
-          </mc:Fallback>
-        </mc:AlternateContent>
-        <mc:AlternateContent xmlns:mc="http://schemas.openxmlformats.org/markup-compatibility/2006">
-          <mc:Choice xmlns:p14="http://schemas.microsoft.com/office/powerpoint/2010/main" Requires="p14">
-            <p:contentPart p14:bwMode="auto" r:id="rId13">
-              <p14:nvContentPartPr>
-                <p14:cNvPr id="15" name="Encre 14">
-                  <a:extLst>
-                    <a:ext uri="{FF2B5EF4-FFF2-40B4-BE49-F238E27FC236}">
-                      <a16:creationId xmlns:a16="http://schemas.microsoft.com/office/drawing/2014/main" id="{D22C3F31-8A12-6B14-EA04-FAC141E10B00}"/>
-                    </a:ext>
-                  </a:extLst>
-                </p14:cNvPr>
-                <p14:cNvContentPartPr/>
-                <p14:nvPr/>
-              </p14:nvContentPartPr>
-              <p14:xfrm>
-                <a:off x="6236678" y="5370878"/>
-                <a:ext cx="360" cy="360"/>
-              </p14:xfrm>
-            </p:contentPart>
-          </mc:Choice>
-          <mc:Fallback>
-            <p:pic>
-              <p:nvPicPr>
-                <p:cNvPr id="15" name="Encre 14">
-                  <a:extLst>
-                    <a:ext uri="{FF2B5EF4-FFF2-40B4-BE49-F238E27FC236}">
-                      <a16:creationId xmlns:a16="http://schemas.microsoft.com/office/drawing/2014/main" id="{D22C3F31-8A12-6B14-EA04-FAC141E10B00}"/>
-                    </a:ext>
-                  </a:extLst>
-                </p:cNvPr>
-                <p:cNvPicPr/>
-                <p:nvPr/>
-              </p:nvPicPr>
-              <p:blipFill>
-                <a:blip r:embed="rId4"/>
-                <a:stretch>
-                  <a:fillRect/>
-                </a:stretch>
-              </p:blipFill>
-              <p:spPr>
-                <a:xfrm>
-                  <a:off x="6228038" y="5361878"/>
-                  <a:ext cx="18000" cy="18000"/>
-                </a:xfrm>
-                <a:prstGeom prst="rect">
-                  <a:avLst/>
-                </a:prstGeom>
-              </p:spPr>
-            </p:pic>
-          </mc:Fallback>
-        </mc:AlternateContent>
-        <mc:AlternateContent xmlns:mc="http://schemas.openxmlformats.org/markup-compatibility/2006">
-          <mc:Choice xmlns:p14="http://schemas.microsoft.com/office/powerpoint/2010/main" Requires="p14">
-            <p:contentPart p14:bwMode="auto" r:id="rId14">
-              <p14:nvContentPartPr>
-                <p14:cNvPr id="17" name="Encre 16">
-                  <a:extLst>
-                    <a:ext uri="{FF2B5EF4-FFF2-40B4-BE49-F238E27FC236}">
-                      <a16:creationId xmlns:a16="http://schemas.microsoft.com/office/drawing/2014/main" id="{D60904C7-814C-8641-9640-F8434013983D}"/>
-                    </a:ext>
-                  </a:extLst>
-                </p14:cNvPr>
-                <p14:cNvContentPartPr/>
-                <p14:nvPr/>
-              </p14:nvContentPartPr>
-              <p14:xfrm>
-                <a:off x="5993678" y="5226158"/>
-                <a:ext cx="118440" cy="122400"/>
-              </p14:xfrm>
-            </p:contentPart>
-          </mc:Choice>
-          <mc:Fallback>
-            <p:pic>
-              <p:nvPicPr>
-                <p:cNvPr id="17" name="Encre 16">
-                  <a:extLst>
-                    <a:ext uri="{FF2B5EF4-FFF2-40B4-BE49-F238E27FC236}">
-                      <a16:creationId xmlns:a16="http://schemas.microsoft.com/office/drawing/2014/main" id="{D60904C7-814C-8641-9640-F8434013983D}"/>
-                    </a:ext>
-                  </a:extLst>
-                </p:cNvPr>
-                <p:cNvPicPr/>
-                <p:nvPr/>
-              </p:nvPicPr>
-              <p:blipFill>
-                <a:blip r:embed="rId15"/>
-                <a:stretch>
-                  <a:fillRect/>
-                </a:stretch>
-              </p:blipFill>
-              <p:spPr>
-                <a:xfrm>
-                  <a:off x="5985038" y="5217518"/>
-                  <a:ext cx="136080" cy="140040"/>
-                </a:xfrm>
-                <a:prstGeom prst="rect">
-                  <a:avLst/>
-                </a:prstGeom>
-              </p:spPr>
-            </p:pic>
-          </mc:Fallback>
-        </mc:AlternateContent>
-        <mc:AlternateContent xmlns:mc="http://schemas.openxmlformats.org/markup-compatibility/2006">
-          <mc:Choice xmlns:p14="http://schemas.microsoft.com/office/powerpoint/2010/main" Requires="p14">
-            <p:contentPart p14:bwMode="auto" r:id="rId16">
-              <p14:nvContentPartPr>
-                <p14:cNvPr id="19" name="Encre 18">
-                  <a:extLst>
-                    <a:ext uri="{FF2B5EF4-FFF2-40B4-BE49-F238E27FC236}">
-                      <a16:creationId xmlns:a16="http://schemas.microsoft.com/office/drawing/2014/main" id="{8A3C8C24-FCED-AF79-CC7B-FEB7FC1AA1D9}"/>
-                    </a:ext>
-                  </a:extLst>
-                </p14:cNvPr>
-                <p14:cNvContentPartPr/>
-                <p14:nvPr/>
-              </p14:nvContentPartPr>
-              <p14:xfrm>
-                <a:off x="6217598" y="5380238"/>
-                <a:ext cx="360" cy="86040"/>
-              </p14:xfrm>
-            </p:contentPart>
-          </mc:Choice>
-          <mc:Fallback>
-            <p:pic>
-              <p:nvPicPr>
-                <p:cNvPr id="19" name="Encre 18">
-                  <a:extLst>
-                    <a:ext uri="{FF2B5EF4-FFF2-40B4-BE49-F238E27FC236}">
-                      <a16:creationId xmlns:a16="http://schemas.microsoft.com/office/drawing/2014/main" id="{8A3C8C24-FCED-AF79-CC7B-FEB7FC1AA1D9}"/>
-                    </a:ext>
-                  </a:extLst>
-                </p:cNvPr>
-                <p:cNvPicPr/>
-                <p:nvPr/>
-              </p:nvPicPr>
-              <p:blipFill>
-                <a:blip r:embed="rId17"/>
-                <a:stretch>
-                  <a:fillRect/>
-                </a:stretch>
-              </p:blipFill>
-              <p:spPr>
-                <a:xfrm>
-                  <a:off x="6208958" y="5371238"/>
-                  <a:ext cx="18000" cy="103680"/>
-                </a:xfrm>
-                <a:prstGeom prst="rect">
-                  <a:avLst/>
-                </a:prstGeom>
-              </p:spPr>
-            </p:pic>
-          </mc:Fallback>
-        </mc:AlternateContent>
-        <mc:AlternateContent xmlns:mc="http://schemas.openxmlformats.org/markup-compatibility/2006">
-          <mc:Choice xmlns:p14="http://schemas.microsoft.com/office/powerpoint/2010/main" Requires="p14">
-            <p:contentPart p14:bwMode="auto" r:id="rId18">
-              <p14:nvContentPartPr>
-                <p14:cNvPr id="20" name="Encre 19">
-                  <a:extLst>
-                    <a:ext uri="{FF2B5EF4-FFF2-40B4-BE49-F238E27FC236}">
-                      <a16:creationId xmlns:a16="http://schemas.microsoft.com/office/drawing/2014/main" id="{A13E9B38-27F2-24C9-19A7-296AD13781F7}"/>
-                    </a:ext>
-                  </a:extLst>
-                </p14:cNvPr>
-                <p14:cNvContentPartPr/>
-                <p14:nvPr/>
-              </p14:nvContentPartPr>
-              <p14:xfrm>
-                <a:off x="6265478" y="5245958"/>
-                <a:ext cx="360" cy="360"/>
-              </p14:xfrm>
-            </p:contentPart>
-          </mc:Choice>
-          <mc:Fallback>
-            <p:pic>
-              <p:nvPicPr>
-                <p:cNvPr id="20" name="Encre 19">
-                  <a:extLst>
-                    <a:ext uri="{FF2B5EF4-FFF2-40B4-BE49-F238E27FC236}">
-                      <a16:creationId xmlns:a16="http://schemas.microsoft.com/office/drawing/2014/main" id="{A13E9B38-27F2-24C9-19A7-296AD13781F7}"/>
-                    </a:ext>
-                  </a:extLst>
-                </p:cNvPr>
-                <p:cNvPicPr/>
-                <p:nvPr/>
-              </p:nvPicPr>
-              <p:blipFill>
-                <a:blip r:embed="rId4"/>
-                <a:stretch>
-                  <a:fillRect/>
-                </a:stretch>
-              </p:blipFill>
-              <p:spPr>
-                <a:xfrm>
-                  <a:off x="6256838" y="5236958"/>
-                  <a:ext cx="18000" cy="18000"/>
-                </a:xfrm>
-                <a:prstGeom prst="rect">
-                  <a:avLst/>
-                </a:prstGeom>
-              </p:spPr>
-            </p:pic>
-          </mc:Fallback>
-        </mc:AlternateContent>
-      </p:grpSp>
-      <p:grpSp>
-        <p:nvGrpSpPr>
-          <p:cNvPr id="23" name="Groupe 22">
-            <a:extLst>
-              <a:ext uri="{FF2B5EF4-FFF2-40B4-BE49-F238E27FC236}">
-                <a16:creationId xmlns:a16="http://schemas.microsoft.com/office/drawing/2014/main" id="{DFED1114-9243-B60B-67B4-620CD36CE2A0}"/>
-              </a:ext>
-            </a:extLst>
-          </p:cNvPr>
-          <p:cNvGrpSpPr/>
-          <p:nvPr/>
-        </p:nvGrpSpPr>
-        <p:grpSpPr>
-          <a:xfrm>
-            <a:off x="2299358" y="2510678"/>
-            <a:ext cx="4843497" cy="2264040"/>
-            <a:chOff x="2299358" y="2510678"/>
-            <a:chExt cx="4843497" cy="2264040"/>
-          </a:xfrm>
-        </p:grpSpPr>
-        <mc:AlternateContent xmlns:mc="http://schemas.openxmlformats.org/markup-compatibility/2006">
-          <mc:Choice xmlns:p14="http://schemas.microsoft.com/office/powerpoint/2010/main" Requires="p14">
-            <p:contentPart p14:bwMode="auto" r:id="rId19">
-              <p14:nvContentPartPr>
-                <p14:cNvPr id="3" name="Encre 2">
-                  <a:extLst>
-                    <a:ext uri="{FF2B5EF4-FFF2-40B4-BE49-F238E27FC236}">
-                      <a16:creationId xmlns:a16="http://schemas.microsoft.com/office/drawing/2014/main" id="{E8D1AE20-C379-1B48-3645-6D2D641EB1D2}"/>
-                    </a:ext>
-                  </a:extLst>
-                </p14:cNvPr>
-                <p14:cNvContentPartPr/>
-                <p14:nvPr/>
-              </p14:nvContentPartPr>
-              <p14:xfrm>
-                <a:off x="2299358" y="4118078"/>
-                <a:ext cx="311400" cy="349560"/>
-              </p14:xfrm>
-            </p:contentPart>
-          </mc:Choice>
-          <mc:Fallback>
-            <p:pic>
-              <p:nvPicPr>
-                <p:cNvPr id="3" name="Encre 2">
-                  <a:extLst>
-                    <a:ext uri="{FF2B5EF4-FFF2-40B4-BE49-F238E27FC236}">
-                      <a16:creationId xmlns:a16="http://schemas.microsoft.com/office/drawing/2014/main" id="{E8D1AE20-C379-1B48-3645-6D2D641EB1D2}"/>
-                    </a:ext>
-                  </a:extLst>
-                </p:cNvPr>
-                <p:cNvPicPr/>
-                <p:nvPr/>
-              </p:nvPicPr>
-              <p:blipFill>
-                <a:blip r:embed="rId20"/>
-                <a:stretch>
-                  <a:fillRect/>
-                </a:stretch>
-              </p:blipFill>
-              <p:spPr>
-                <a:xfrm>
-                  <a:off x="2290358" y="4109438"/>
-                  <a:ext cx="329040" cy="367200"/>
-                </a:xfrm>
-                <a:prstGeom prst="rect">
-                  <a:avLst/>
-                </a:prstGeom>
-              </p:spPr>
-            </p:pic>
-          </mc:Fallback>
-        </mc:AlternateContent>
-        <mc:AlternateContent xmlns:mc="http://schemas.openxmlformats.org/markup-compatibility/2006">
-          <mc:Choice xmlns:p14="http://schemas.microsoft.com/office/powerpoint/2010/main" Requires="p14">
-            <p:contentPart p14:bwMode="auto" r:id="rId21">
-              <p14:nvContentPartPr>
-                <p14:cNvPr id="4" name="Encre 3">
-                  <a:extLst>
-                    <a:ext uri="{FF2B5EF4-FFF2-40B4-BE49-F238E27FC236}">
-                      <a16:creationId xmlns:a16="http://schemas.microsoft.com/office/drawing/2014/main" id="{13174A62-6D8E-44DB-3088-6757F8069DD8}"/>
-                    </a:ext>
-                  </a:extLst>
-                </p14:cNvPr>
-                <p14:cNvContentPartPr/>
-                <p14:nvPr/>
-              </p14:nvContentPartPr>
-              <p14:xfrm>
-                <a:off x="2378558" y="4071638"/>
-                <a:ext cx="268560" cy="251280"/>
-              </p14:xfrm>
-            </p:contentPart>
-          </mc:Choice>
-          <mc:Fallback>
-            <p:pic>
-              <p:nvPicPr>
-                <p:cNvPr id="4" name="Encre 3">
-                  <a:extLst>
-                    <a:ext uri="{FF2B5EF4-FFF2-40B4-BE49-F238E27FC236}">
-                      <a16:creationId xmlns:a16="http://schemas.microsoft.com/office/drawing/2014/main" id="{13174A62-6D8E-44DB-3088-6757F8069DD8}"/>
-                    </a:ext>
-                  </a:extLst>
-                </p:cNvPr>
-                <p:cNvPicPr/>
-                <p:nvPr/>
-              </p:nvPicPr>
-              <p:blipFill>
-                <a:blip r:embed="rId22"/>
-                <a:stretch>
-                  <a:fillRect/>
-                </a:stretch>
-              </p:blipFill>
-              <p:spPr>
-                <a:xfrm>
-                  <a:off x="2369558" y="4062638"/>
-                  <a:ext cx="286200" cy="268920"/>
-                </a:xfrm>
-                <a:prstGeom prst="rect">
-                  <a:avLst/>
-                </a:prstGeom>
-              </p:spPr>
-            </p:pic>
-          </mc:Fallback>
-        </mc:AlternateContent>
-        <mc:AlternateContent xmlns:mc="http://schemas.openxmlformats.org/markup-compatibility/2006">
-          <mc:Choice xmlns:p14="http://schemas.microsoft.com/office/powerpoint/2010/main" Requires="p14">
-            <p:contentPart p14:bwMode="auto" r:id="rId23">
-              <p14:nvContentPartPr>
-                <p14:cNvPr id="6" name="Encre 5">
-                  <a:extLst>
-                    <a:ext uri="{FF2B5EF4-FFF2-40B4-BE49-F238E27FC236}">
-                      <a16:creationId xmlns:a16="http://schemas.microsoft.com/office/drawing/2014/main" id="{DFA06153-D1D6-4B0F-FCF2-0514944FD6E1}"/>
-                    </a:ext>
-                  </a:extLst>
-                </p14:cNvPr>
-                <p14:cNvContentPartPr/>
-                <p14:nvPr/>
-              </p14:nvContentPartPr>
-              <p14:xfrm>
-                <a:off x="2358038" y="4244438"/>
-                <a:ext cx="4320" cy="4680"/>
-              </p14:xfrm>
-            </p:contentPart>
-          </mc:Choice>
-          <mc:Fallback>
-            <p:pic>
-              <p:nvPicPr>
-                <p:cNvPr id="6" name="Encre 5">
-                  <a:extLst>
-                    <a:ext uri="{FF2B5EF4-FFF2-40B4-BE49-F238E27FC236}">
-                      <a16:creationId xmlns:a16="http://schemas.microsoft.com/office/drawing/2014/main" id="{DFA06153-D1D6-4B0F-FCF2-0514944FD6E1}"/>
-                    </a:ext>
-                  </a:extLst>
-                </p:cNvPr>
-                <p:cNvPicPr/>
-                <p:nvPr/>
-              </p:nvPicPr>
-              <p:blipFill>
-                <a:blip r:embed="rId24"/>
-                <a:stretch>
-                  <a:fillRect/>
-                </a:stretch>
-              </p:blipFill>
-              <p:spPr>
-                <a:xfrm>
-                  <a:off x="2349038" y="4235798"/>
-                  <a:ext cx="21960" cy="22320"/>
-                </a:xfrm>
-                <a:prstGeom prst="rect">
-                  <a:avLst/>
-                </a:prstGeom>
-              </p:spPr>
-            </p:pic>
-          </mc:Fallback>
-        </mc:AlternateContent>
-        <mc:AlternateContent xmlns:mc="http://schemas.openxmlformats.org/markup-compatibility/2006">
-          <mc:Choice xmlns:p14="http://schemas.microsoft.com/office/powerpoint/2010/main" Requires="p14">
-            <p:contentPart p14:bwMode="auto" r:id="rId25">
-              <p14:nvContentPartPr>
-                <p14:cNvPr id="22" name="Encre 21">
-                  <a:extLst>
-                    <a:ext uri="{FF2B5EF4-FFF2-40B4-BE49-F238E27FC236}">
-                      <a16:creationId xmlns:a16="http://schemas.microsoft.com/office/drawing/2014/main" id="{C7C18888-AF46-E450-40C9-F4BCC885AA22}"/>
-                    </a:ext>
-                  </a:extLst>
-                </p14:cNvPr>
-                <p14:cNvContentPartPr/>
-                <p14:nvPr/>
-              </p14:nvContentPartPr>
-              <p14:xfrm>
-                <a:off x="2559335" y="2510678"/>
-                <a:ext cx="4583520" cy="2264040"/>
-              </p14:xfrm>
-            </p:contentPart>
-          </mc:Choice>
-          <mc:Fallback>
-            <p:pic>
-              <p:nvPicPr>
-                <p:cNvPr id="22" name="Encre 21">
-                  <a:extLst>
-                    <a:ext uri="{FF2B5EF4-FFF2-40B4-BE49-F238E27FC236}">
-                      <a16:creationId xmlns:a16="http://schemas.microsoft.com/office/drawing/2014/main" id="{C7C18888-AF46-E450-40C9-F4BCC885AA22}"/>
-                    </a:ext>
-                  </a:extLst>
-                </p:cNvPr>
-                <p:cNvPicPr/>
-                <p:nvPr/>
-              </p:nvPicPr>
-              <p:blipFill>
-                <a:blip r:embed="rId26"/>
-                <a:stretch>
-                  <a:fillRect/>
-                </a:stretch>
-              </p:blipFill>
-              <p:spPr>
-                <a:xfrm>
-                  <a:off x="2550695" y="2502038"/>
-                  <a:ext cx="4601160" cy="2281680"/>
-                </a:xfrm>
-                <a:prstGeom prst="rect">
-                  <a:avLst/>
-                </a:prstGeom>
-              </p:spPr>
-            </p:pic>
-          </mc:Fallback>
-        </mc:AlternateContent>
-      </p:grpSp>
-    </p:spTree>
-    <p:extLst>
-      <p:ext uri="{BB962C8B-B14F-4D97-AF65-F5344CB8AC3E}">
-        <p14:creationId xmlns:p14="http://schemas.microsoft.com/office/powerpoint/2010/main" val="3337436323"/>
       </p:ext>
     </p:extLst>
   </p:cSld>
